--- a/Presentaciones/Primer Parcial/DISEÑO WEB.pptx
+++ b/Presentaciones/Primer Parcial/DISEÑO WEB.pptx
@@ -222,7 +222,7 @@
           <a:p>
             <a:fld id="{E86773A5-E476-4BC3-90DD-E461B3FDD53D}" type="datetimeFigureOut">
               <a:rPr lang="es-MX" smtClean="0"/>
-              <a:t>05/02/2019</a:t>
+              <a:t>11/08/2019</a:t>
             </a:fld>
             <a:endParaRPr lang="es-MX"/>
           </a:p>
@@ -381,7 +381,7 @@
           <a:p>
             <a:fld id="{84881F7B-9583-44F7-86BC-EBCADAF955EA}" type="slidenum">
               <a:rPr lang="es-MX" smtClean="0"/>
-              <a:t>‹#›</a:t>
+              <a:t>‹Nº›</a:t>
             </a:fld>
             <a:endParaRPr lang="es-MX"/>
           </a:p>
@@ -1019,9 +1019,9 @@
           <a:bodyPr/>
           <a:lstStyle/>
           <a:p>
-            <a:fld id="{BCE89067-465D-4060-AC00-30E2BC070280}" type="datetimeFigureOut">
+            <a:fld id="{4B6F21B4-CF9F-426A-A461-F04A702C8E67}" type="datetime1">
               <a:rPr lang="es-MX" smtClean="0"/>
-              <a:t>05/02/2019</a:t>
+              <a:t>11/08/2019</a:t>
             </a:fld>
             <a:endParaRPr lang="es-MX"/>
           </a:p>
@@ -1042,7 +1042,10 @@
           <a:bodyPr/>
           <a:lstStyle/>
           <a:p>
-            <a:endParaRPr lang="es-MX"/>
+            <a:r>
+              <a:rPr lang="es-MX"/>
+              <a:t>Lic. José Orihuela Sánchez Programación y Aplicaciones para la Web</a:t>
+            </a:r>
           </a:p>
         </p:txBody>
       </p:sp>
@@ -1063,7 +1066,7 @@
           <a:p>
             <a:fld id="{9853C872-9F3D-434C-9549-5894CFFE5CE8}" type="slidenum">
               <a:rPr lang="es-MX" smtClean="0"/>
-              <a:t>‹#›</a:t>
+              <a:t>‹Nº›</a:t>
             </a:fld>
             <a:endParaRPr lang="es-MX"/>
           </a:p>
@@ -1189,9 +1192,9 @@
           <a:bodyPr/>
           <a:lstStyle/>
           <a:p>
-            <a:fld id="{BCE89067-465D-4060-AC00-30E2BC070280}" type="datetimeFigureOut">
+            <a:fld id="{CA2ABB20-09D6-44E5-BF3A-0FE7276492F9}" type="datetime1">
               <a:rPr lang="es-MX" smtClean="0"/>
-              <a:t>05/02/2019</a:t>
+              <a:t>11/08/2019</a:t>
             </a:fld>
             <a:endParaRPr lang="es-MX"/>
           </a:p>
@@ -1212,7 +1215,10 @@
           <a:bodyPr/>
           <a:lstStyle/>
           <a:p>
-            <a:endParaRPr lang="es-MX"/>
+            <a:r>
+              <a:rPr lang="es-MX"/>
+              <a:t>Lic. José Orihuela Sánchez Programación y Aplicaciones para la Web</a:t>
+            </a:r>
           </a:p>
         </p:txBody>
       </p:sp>
@@ -1233,7 +1239,7 @@
           <a:p>
             <a:fld id="{9853C872-9F3D-434C-9549-5894CFFE5CE8}" type="slidenum">
               <a:rPr lang="es-MX" smtClean="0"/>
-              <a:t>‹#›</a:t>
+              <a:t>‹Nº›</a:t>
             </a:fld>
             <a:endParaRPr lang="es-MX"/>
           </a:p>
@@ -1412,9 +1418,9 @@
           <a:bodyPr/>
           <a:lstStyle/>
           <a:p>
-            <a:fld id="{BCE89067-465D-4060-AC00-30E2BC070280}" type="datetimeFigureOut">
+            <a:fld id="{9B8DDD03-3494-4C01-9836-CB4B7587FB80}" type="datetime1">
               <a:rPr lang="es-MX" smtClean="0"/>
-              <a:t>05/02/2019</a:t>
+              <a:t>11/08/2019</a:t>
             </a:fld>
             <a:endParaRPr lang="es-MX"/>
           </a:p>
@@ -1440,7 +1446,10 @@
           <a:bodyPr/>
           <a:lstStyle/>
           <a:p>
-            <a:endParaRPr lang="es-MX"/>
+            <a:r>
+              <a:rPr lang="es-MX"/>
+              <a:t>Lic. José Orihuela Sánchez Programación y Aplicaciones para la Web</a:t>
+            </a:r>
           </a:p>
         </p:txBody>
       </p:sp>
@@ -1466,7 +1475,7 @@
           <a:p>
             <a:fld id="{9853C872-9F3D-434C-9549-5894CFFE5CE8}" type="slidenum">
               <a:rPr lang="es-MX" smtClean="0"/>
-              <a:t>‹#›</a:t>
+              <a:t>‹Nº›</a:t>
             </a:fld>
             <a:endParaRPr lang="es-MX"/>
           </a:p>
@@ -1592,9 +1601,9 @@
           <a:bodyPr/>
           <a:lstStyle/>
           <a:p>
-            <a:fld id="{BCE89067-465D-4060-AC00-30E2BC070280}" type="datetimeFigureOut">
+            <a:fld id="{80EE868A-C444-4FB3-BC39-0378E8B54E5D}" type="datetime1">
               <a:rPr lang="es-MX" smtClean="0"/>
-              <a:t>05/02/2019</a:t>
+              <a:t>11/08/2019</a:t>
             </a:fld>
             <a:endParaRPr lang="es-MX"/>
           </a:p>
@@ -1615,7 +1624,10 @@
           <a:bodyPr/>
           <a:lstStyle/>
           <a:p>
-            <a:endParaRPr lang="es-MX"/>
+            <a:r>
+              <a:rPr lang="es-MX"/>
+              <a:t>Lic. José Orihuela Sánchez Programación y Aplicaciones para la Web</a:t>
+            </a:r>
           </a:p>
         </p:txBody>
       </p:sp>
@@ -1636,7 +1648,7 @@
           <a:p>
             <a:fld id="{9853C872-9F3D-434C-9549-5894CFFE5CE8}" type="slidenum">
               <a:rPr lang="es-MX" smtClean="0"/>
-              <a:t>‹#›</a:t>
+              <a:t>‹Nº›</a:t>
             </a:fld>
             <a:endParaRPr lang="es-MX"/>
           </a:p>
@@ -1898,9 +1910,9 @@
             </a:lvl1pPr>
           </a:lstStyle>
           <a:p>
-            <a:fld id="{BCE89067-465D-4060-AC00-30E2BC070280}" type="datetimeFigureOut">
+            <a:fld id="{3DB959AD-152F-4273-8728-67E12EEB65C5}" type="datetime1">
               <a:rPr lang="es-MX" smtClean="0"/>
-              <a:t>05/02/2019</a:t>
+              <a:t>11/08/2019</a:t>
             </a:fld>
             <a:endParaRPr lang="es-MX"/>
           </a:p>
@@ -1929,7 +1941,10 @@
             </a:lvl1pPr>
           </a:lstStyle>
           <a:p>
-            <a:endParaRPr lang="es-MX"/>
+            <a:r>
+              <a:rPr lang="es-MX"/>
+              <a:t>Lic. José Orihuela Sánchez Programación y Aplicaciones para la Web</a:t>
+            </a:r>
           </a:p>
         </p:txBody>
       </p:sp>
@@ -1958,7 +1973,7 @@
           <a:p>
             <a:fld id="{9853C872-9F3D-434C-9549-5894CFFE5CE8}" type="slidenum">
               <a:rPr lang="es-MX" smtClean="0"/>
-              <a:t>‹#›</a:t>
+              <a:t>‹Nº›</a:t>
             </a:fld>
             <a:endParaRPr lang="es-MX"/>
           </a:p>
@@ -2202,9 +2217,9 @@
           <a:bodyPr/>
           <a:lstStyle/>
           <a:p>
-            <a:fld id="{BCE89067-465D-4060-AC00-30E2BC070280}" type="datetimeFigureOut">
+            <a:fld id="{4BE378AC-FFC2-4472-8642-B084829B2760}" type="datetime1">
               <a:rPr lang="es-MX" smtClean="0"/>
-              <a:t>05/02/2019</a:t>
+              <a:t>11/08/2019</a:t>
             </a:fld>
             <a:endParaRPr lang="es-MX"/>
           </a:p>
@@ -2225,7 +2240,10 @@
           <a:bodyPr/>
           <a:lstStyle/>
           <a:p>
-            <a:endParaRPr lang="es-MX"/>
+            <a:r>
+              <a:rPr lang="es-MX"/>
+              <a:t>Lic. José Orihuela Sánchez Programación y Aplicaciones para la Web</a:t>
+            </a:r>
           </a:p>
         </p:txBody>
       </p:sp>
@@ -2246,7 +2264,7 @@
           <a:p>
             <a:fld id="{9853C872-9F3D-434C-9549-5894CFFE5CE8}" type="slidenum">
               <a:rPr lang="es-MX" smtClean="0"/>
-              <a:t>‹#›</a:t>
+              <a:t>‹Nº›</a:t>
             </a:fld>
             <a:endParaRPr lang="es-MX"/>
           </a:p>
@@ -2629,9 +2647,9 @@
           <a:bodyPr/>
           <a:lstStyle/>
           <a:p>
-            <a:fld id="{BCE89067-465D-4060-AC00-30E2BC070280}" type="datetimeFigureOut">
+            <a:fld id="{FA90D2BE-BC74-4E5B-A8FF-439DEEE9A53B}" type="datetime1">
               <a:rPr lang="es-MX" smtClean="0"/>
-              <a:t>05/02/2019</a:t>
+              <a:t>11/08/2019</a:t>
             </a:fld>
             <a:endParaRPr lang="es-MX"/>
           </a:p>
@@ -2652,7 +2670,10 @@
           <a:bodyPr/>
           <a:lstStyle/>
           <a:p>
-            <a:endParaRPr lang="es-MX"/>
+            <a:r>
+              <a:rPr lang="es-MX"/>
+              <a:t>Lic. José Orihuela Sánchez Programación y Aplicaciones para la Web</a:t>
+            </a:r>
           </a:p>
         </p:txBody>
       </p:sp>
@@ -2673,7 +2694,7 @@
           <a:p>
             <a:fld id="{9853C872-9F3D-434C-9549-5894CFFE5CE8}" type="slidenum">
               <a:rPr lang="es-MX" smtClean="0"/>
-              <a:t>‹#›</a:t>
+              <a:t>‹Nº›</a:t>
             </a:fld>
             <a:endParaRPr lang="es-MX"/>
           </a:p>
@@ -2752,9 +2773,9 @@
           <a:bodyPr/>
           <a:lstStyle/>
           <a:p>
-            <a:fld id="{BCE89067-465D-4060-AC00-30E2BC070280}" type="datetimeFigureOut">
+            <a:fld id="{229993BC-E549-4F86-A3A9-74ECAA316138}" type="datetime1">
               <a:rPr lang="es-MX" smtClean="0"/>
-              <a:t>05/02/2019</a:t>
+              <a:t>11/08/2019</a:t>
             </a:fld>
             <a:endParaRPr lang="es-MX"/>
           </a:p>
@@ -2775,7 +2796,10 @@
           <a:bodyPr/>
           <a:lstStyle/>
           <a:p>
-            <a:endParaRPr lang="es-MX"/>
+            <a:r>
+              <a:rPr lang="es-MX"/>
+              <a:t>Lic. José Orihuela Sánchez Programación y Aplicaciones para la Web</a:t>
+            </a:r>
           </a:p>
         </p:txBody>
       </p:sp>
@@ -2796,7 +2820,7 @@
           <a:p>
             <a:fld id="{9853C872-9F3D-434C-9549-5894CFFE5CE8}" type="slidenum">
               <a:rPr lang="es-MX" smtClean="0"/>
-              <a:t>‹#›</a:t>
+              <a:t>‹Nº›</a:t>
             </a:fld>
             <a:endParaRPr lang="es-MX"/>
           </a:p>
@@ -2847,9 +2871,9 @@
           <a:bodyPr/>
           <a:lstStyle/>
           <a:p>
-            <a:fld id="{BCE89067-465D-4060-AC00-30E2BC070280}" type="datetimeFigureOut">
+            <a:fld id="{A1DE33BD-53B5-421D-830C-E214232125DE}" type="datetime1">
               <a:rPr lang="es-MX" smtClean="0"/>
-              <a:t>05/02/2019</a:t>
+              <a:t>11/08/2019</a:t>
             </a:fld>
             <a:endParaRPr lang="es-MX"/>
           </a:p>
@@ -2870,7 +2894,10 @@
           <a:bodyPr/>
           <a:lstStyle/>
           <a:p>
-            <a:endParaRPr lang="es-MX"/>
+            <a:r>
+              <a:rPr lang="es-MX"/>
+              <a:t>Lic. José Orihuela Sánchez Programación y Aplicaciones para la Web</a:t>
+            </a:r>
           </a:p>
         </p:txBody>
       </p:sp>
@@ -2891,7 +2918,7 @@
           <a:p>
             <a:fld id="{9853C872-9F3D-434C-9549-5894CFFE5CE8}" type="slidenum">
               <a:rPr lang="es-MX" smtClean="0"/>
-              <a:t>‹#›</a:t>
+              <a:t>‹Nº›</a:t>
             </a:fld>
             <a:endParaRPr lang="es-MX"/>
           </a:p>
@@ -3120,9 +3147,9 @@
           <a:bodyPr/>
           <a:lstStyle/>
           <a:p>
-            <a:fld id="{BCE89067-465D-4060-AC00-30E2BC070280}" type="datetimeFigureOut">
+            <a:fld id="{BB79C227-FACB-410E-B744-B5E38AB0DEEA}" type="datetime1">
               <a:rPr lang="es-MX" smtClean="0"/>
-              <a:t>05/02/2019</a:t>
+              <a:t>11/08/2019</a:t>
             </a:fld>
             <a:endParaRPr lang="es-MX"/>
           </a:p>
@@ -3143,7 +3170,10 @@
           <a:bodyPr/>
           <a:lstStyle/>
           <a:p>
-            <a:endParaRPr lang="es-MX"/>
+            <a:r>
+              <a:rPr lang="es-MX"/>
+              <a:t>Lic. José Orihuela Sánchez Programación y Aplicaciones para la Web</a:t>
+            </a:r>
           </a:p>
         </p:txBody>
       </p:sp>
@@ -3164,7 +3194,7 @@
           <a:p>
             <a:fld id="{9853C872-9F3D-434C-9549-5894CFFE5CE8}" type="slidenum">
               <a:rPr lang="es-MX" smtClean="0"/>
-              <a:t>‹#›</a:t>
+              <a:t>‹Nº›</a:t>
             </a:fld>
             <a:endParaRPr lang="es-MX"/>
           </a:p>
@@ -3390,9 +3420,9 @@
           <a:bodyPr/>
           <a:lstStyle/>
           <a:p>
-            <a:fld id="{BCE89067-465D-4060-AC00-30E2BC070280}" type="datetimeFigureOut">
+            <a:fld id="{5C2A40CF-B7AF-42BD-9504-5D705B5AF50D}" type="datetime1">
               <a:rPr lang="es-MX" smtClean="0"/>
-              <a:t>05/02/2019</a:t>
+              <a:t>11/08/2019</a:t>
             </a:fld>
             <a:endParaRPr lang="es-MX"/>
           </a:p>
@@ -3413,7 +3443,10 @@
           <a:bodyPr/>
           <a:lstStyle/>
           <a:p>
-            <a:endParaRPr lang="es-MX"/>
+            <a:r>
+              <a:rPr lang="es-MX"/>
+              <a:t>Lic. José Orihuela Sánchez Programación y Aplicaciones para la Web</a:t>
+            </a:r>
           </a:p>
         </p:txBody>
       </p:sp>
@@ -3434,7 +3467,7 @@
           <a:p>
             <a:fld id="{9853C872-9F3D-434C-9549-5894CFFE5CE8}" type="slidenum">
               <a:rPr lang="es-MX" smtClean="0"/>
-              <a:t>‹#›</a:t>
+              <a:t>‹Nº›</a:t>
             </a:fld>
             <a:endParaRPr lang="es-MX"/>
           </a:p>
@@ -3639,9 +3672,9 @@
             </a:lvl1pPr>
           </a:lstStyle>
           <a:p>
-            <a:fld id="{BCE89067-465D-4060-AC00-30E2BC070280}" type="datetimeFigureOut">
+            <a:fld id="{ACD5E627-036A-4256-95B0-A53142290F27}" type="datetime1">
               <a:rPr lang="es-MX" smtClean="0"/>
-              <a:t>05/02/2019</a:t>
+              <a:t>11/08/2019</a:t>
             </a:fld>
             <a:endParaRPr lang="es-MX"/>
           </a:p>
@@ -3678,7 +3711,10 @@
             </a:lvl1pPr>
           </a:lstStyle>
           <a:p>
-            <a:endParaRPr lang="es-MX"/>
+            <a:r>
+              <a:rPr lang="es-MX"/>
+              <a:t>Lic. José Orihuela Sánchez Programación y Aplicaciones para la Web</a:t>
+            </a:r>
           </a:p>
         </p:txBody>
       </p:sp>
@@ -3715,7 +3751,7 @@
           <a:p>
             <a:fld id="{9853C872-9F3D-434C-9549-5894CFFE5CE8}" type="slidenum">
               <a:rPr lang="es-MX" smtClean="0"/>
-              <a:t>‹#›</a:t>
+              <a:t>‹Nº›</a:t>
             </a:fld>
             <a:endParaRPr lang="es-MX"/>
           </a:p>
@@ -3742,6 +3778,7 @@
     <p:sldLayoutId id="2147483694" r:id="rId10"/>
     <p:sldLayoutId id="2147483695" r:id="rId11"/>
   </p:sldLayoutIdLst>
+  <p:hf sldNum="0" hdr="0" dt="0"/>
   <p:txStyles>
     <p:titleStyle>
       <a:lvl1pPr algn="l" defTabSz="914400" rtl="0" eaLnBrk="1" latinLnBrk="0" hangingPunct="1">
@@ -4123,9 +4160,10 @@
           <a:lstStyle/>
           <a:p>
             <a:r>
-              <a:rPr lang="es-MX" dirty="0"/>
-              <a:t>DISEÑO WEB</a:t>
-            </a:r>
+              <a:rPr lang="en-US" dirty="0"/>
+              <a:t>PROGRAMACIÓN Y APLICACIONES PARA LA WEB</a:t>
+            </a:r>
+            <a:endParaRPr lang="es-MX" dirty="0"/>
           </a:p>
         </p:txBody>
       </p:sp>
@@ -4150,7 +4188,112 @@
           <a:bodyPr/>
           <a:lstStyle/>
           <a:p>
-            <a:endParaRPr lang="es-MX"/>
+            <a:r>
+              <a:rPr lang="es-MX" dirty="0"/>
+              <a:t>DISEÑO WEB</a:t>
+            </a:r>
+          </a:p>
+        </p:txBody>
+      </p:sp>
+      <p:sp>
+        <p:nvSpPr>
+          <p:cNvPr id="4" name="Title 1">
+            <a:extLst>
+              <a:ext uri="{FF2B5EF4-FFF2-40B4-BE49-F238E27FC236}">
+                <a16:creationId xmlns:a16="http://schemas.microsoft.com/office/drawing/2014/main" id="{A06D871E-51E3-41E1-B229-4684C7F26246}"/>
+              </a:ext>
+            </a:extLst>
+          </p:cNvPr>
+          <p:cNvSpPr txBox="1">
+            <a:spLocks/>
+          </p:cNvSpPr>
+          <p:nvPr/>
+        </p:nvSpPr>
+        <p:spPr>
+          <a:xfrm>
+            <a:off x="365759" y="202391"/>
+            <a:ext cx="11471565" cy="1739347"/>
+          </a:xfrm>
+          <a:prstGeom prst="rect">
+            <a:avLst/>
+          </a:prstGeom>
+        </p:spPr>
+        <p:txBody>
+          <a:bodyPr vert="horz" lIns="91440" tIns="45720" rIns="91440" bIns="45720" rtlCol="0" anchor="ctr">
+            <a:normAutofit/>
+          </a:bodyPr>
+          <a:lstStyle>
+            <a:lvl1pPr algn="ctr" defTabSz="914400" rtl="0" eaLnBrk="1" latinLnBrk="0" hangingPunct="1">
+              <a:lnSpc>
+                <a:spcPct val="80000"/>
+              </a:lnSpc>
+              <a:spcBef>
+                <a:spcPct val="0"/>
+              </a:spcBef>
+              <a:buNone/>
+              <a:defRPr sz="6000" kern="1200" cap="all" spc="150" baseline="0">
+                <a:solidFill>
+                  <a:schemeClr val="bg2"/>
+                </a:solidFill>
+                <a:latin typeface="+mj-lt"/>
+                <a:ea typeface="+mj-ea"/>
+                <a:cs typeface="+mj-cs"/>
+              </a:defRPr>
+            </a:lvl1pPr>
+          </a:lstStyle>
+          <a:p>
+            <a:r>
+              <a:rPr lang="es-MX" sz="3200" dirty="0">
+                <a:solidFill>
+                  <a:schemeClr val="bg1">
+                    <a:lumMod val="10000"/>
+                    <a:lumOff val="90000"/>
+                  </a:schemeClr>
+                </a:solidFill>
+              </a:rPr>
+              <a:t>UNIVERSIDAD AUTONOMA DE NUEVO LEÓN</a:t>
+            </a:r>
+          </a:p>
+          <a:p>
+            <a:r>
+              <a:rPr lang="es-MX" sz="3200" dirty="0">
+                <a:solidFill>
+                  <a:schemeClr val="bg1">
+                    <a:lumMod val="10000"/>
+                    <a:lumOff val="90000"/>
+                  </a:schemeClr>
+                </a:solidFill>
+              </a:rPr>
+              <a:t>FACULTAD DE CIENCIAS FISICO-MATEMATICAS</a:t>
+            </a:r>
+          </a:p>
+        </p:txBody>
+      </p:sp>
+      <p:sp>
+        <p:nvSpPr>
+          <p:cNvPr id="5" name="Marcador de pie de página 4">
+            <a:extLst>
+              <a:ext uri="{FF2B5EF4-FFF2-40B4-BE49-F238E27FC236}">
+                <a16:creationId xmlns:a16="http://schemas.microsoft.com/office/drawing/2014/main" id="{C54CFF2A-273F-4880-89C1-3F2A8EC38968}"/>
+              </a:ext>
+            </a:extLst>
+          </p:cNvPr>
+          <p:cNvSpPr>
+            <a:spLocks noGrp="1"/>
+          </p:cNvSpPr>
+          <p:nvPr>
+            <p:ph type="ftr" sz="quarter" idx="11"/>
+          </p:nvPr>
+        </p:nvSpPr>
+        <p:spPr/>
+        <p:txBody>
+          <a:bodyPr/>
+          <a:lstStyle/>
+          <a:p>
+            <a:r>
+              <a:rPr lang="es-MX"/>
+              <a:t>Lic. José Orihuela Sánchez Programación y Aplicaciones para la Web</a:t>
+            </a:r>
           </a:p>
         </p:txBody>
       </p:sp>
@@ -4410,6 +4553,34 @@
           </a:p>
         </p:txBody>
       </p:sp>
+      <p:sp>
+        <p:nvSpPr>
+          <p:cNvPr id="4" name="Marcador de pie de página 3">
+            <a:extLst>
+              <a:ext uri="{FF2B5EF4-FFF2-40B4-BE49-F238E27FC236}">
+                <a16:creationId xmlns:a16="http://schemas.microsoft.com/office/drawing/2014/main" id="{D1349E26-621C-434B-99A8-61DCA8766D25}"/>
+              </a:ext>
+            </a:extLst>
+          </p:cNvPr>
+          <p:cNvSpPr>
+            <a:spLocks noGrp="1"/>
+          </p:cNvSpPr>
+          <p:nvPr>
+            <p:ph type="ftr" sz="quarter" idx="11"/>
+          </p:nvPr>
+        </p:nvSpPr>
+        <p:spPr/>
+        <p:txBody>
+          <a:bodyPr/>
+          <a:lstStyle/>
+          <a:p>
+            <a:r>
+              <a:rPr lang="es-MX"/>
+              <a:t>Lic. José Orihuela Sánchez Programación y Aplicaciones para la Web</a:t>
+            </a:r>
+          </a:p>
+        </p:txBody>
+      </p:sp>
     </p:spTree>
     <p:extLst>
       <p:ext uri="{BB962C8B-B14F-4D97-AF65-F5344CB8AC3E}">
@@ -4493,120 +4664,16 @@
           <a:lstStyle/>
           <a:p>
             <a:r>
-              <a:rPr lang="en-US" dirty="0"/>
-              <a:t>Para el </a:t>
-            </a:r>
-            <a:r>
-              <a:rPr lang="en-US" dirty="0" err="1"/>
-              <a:t>uso</a:t>
-            </a:r>
-            <a:r>
-              <a:rPr lang="en-US" dirty="0"/>
-              <a:t> de </a:t>
-            </a:r>
-            <a:r>
-              <a:rPr lang="en-US" dirty="0" err="1"/>
-              <a:t>hipervinculos</a:t>
-            </a:r>
-            <a:r>
-              <a:rPr lang="en-US" dirty="0"/>
-              <a:t> </a:t>
-            </a:r>
-            <a:r>
-              <a:rPr lang="en-US" dirty="0" err="1"/>
-              <a:t>existe</a:t>
-            </a:r>
-            <a:r>
-              <a:rPr lang="en-US" dirty="0"/>
-              <a:t> el </a:t>
-            </a:r>
-            <a:r>
-              <a:rPr lang="en-US" b="1" dirty="0"/>
+              <a:rPr lang="es-MX" dirty="0"/>
+              <a:t>Para el uso de hipervínculos existe el </a:t>
+            </a:r>
+            <a:r>
+              <a:rPr lang="es-MX" b="1" dirty="0"/>
               <a:t>&lt;a&gt;</a:t>
             </a:r>
             <a:r>
-              <a:rPr lang="en-US" dirty="0"/>
-              <a:t> el </a:t>
-            </a:r>
-            <a:r>
-              <a:rPr lang="en-US" dirty="0" err="1"/>
-              <a:t>cual</a:t>
-            </a:r>
-            <a:r>
-              <a:rPr lang="en-US" dirty="0"/>
-              <a:t> </a:t>
-            </a:r>
-            <a:r>
-              <a:rPr lang="en-US" dirty="0" err="1"/>
-              <a:t>nos</a:t>
-            </a:r>
-            <a:r>
-              <a:rPr lang="en-US" dirty="0"/>
-              <a:t> </a:t>
-            </a:r>
-            <a:r>
-              <a:rPr lang="en-US" dirty="0" err="1"/>
-              <a:t>permite</a:t>
-            </a:r>
-            <a:r>
-              <a:rPr lang="en-US" dirty="0"/>
-              <a:t> </a:t>
-            </a:r>
-            <a:r>
-              <a:rPr lang="en-US" dirty="0" err="1"/>
-              <a:t>crear</a:t>
-            </a:r>
-            <a:r>
-              <a:rPr lang="en-US" dirty="0"/>
-              <a:t> un </a:t>
-            </a:r>
-            <a:r>
-              <a:rPr lang="en-US" dirty="0" err="1"/>
-              <a:t>anclaje</a:t>
-            </a:r>
-            <a:r>
-              <a:rPr lang="en-US" dirty="0"/>
-              <a:t> a </a:t>
-            </a:r>
-            <a:r>
-              <a:rPr lang="en-US" dirty="0" err="1"/>
-              <a:t>otra</a:t>
-            </a:r>
-            <a:r>
-              <a:rPr lang="en-US" dirty="0"/>
-              <a:t> </a:t>
-            </a:r>
-            <a:r>
-              <a:rPr lang="en-US" dirty="0" err="1"/>
-              <a:t>pagina</a:t>
-            </a:r>
-            <a:r>
-              <a:rPr lang="en-US" dirty="0"/>
-              <a:t> o </a:t>
-            </a:r>
-            <a:r>
-              <a:rPr lang="en-US" dirty="0" err="1"/>
-              <a:t>alguna</a:t>
-            </a:r>
-            <a:r>
-              <a:rPr lang="en-US" dirty="0"/>
-              <a:t> </a:t>
-            </a:r>
-            <a:r>
-              <a:rPr lang="en-US" dirty="0" err="1"/>
-              <a:t>seccion</a:t>
-            </a:r>
-            <a:r>
-              <a:rPr lang="en-US" dirty="0"/>
-              <a:t> de la </a:t>
-            </a:r>
-            <a:r>
-              <a:rPr lang="en-US" dirty="0" err="1"/>
-              <a:t>misma</a:t>
-            </a:r>
-            <a:r>
-              <a:rPr lang="en-US" dirty="0"/>
-              <a:t>.</a:t>
+              <a:rPr lang="es-MX" dirty="0"/>
+              <a:t> el cual nos permite crear un anclaje a otra pagina o alguna sección de la misma.</a:t>
             </a:r>
           </a:p>
           <a:p>
@@ -4642,63 +4709,27 @@
           </a:p>
           <a:p>
             <a:r>
-              <a:rPr lang="en-US" dirty="0" err="1"/>
-              <a:t>Existen</a:t>
-            </a:r>
-            <a:r>
-              <a:rPr lang="en-US" dirty="0"/>
-              <a:t> dos </a:t>
-            </a:r>
-            <a:r>
-              <a:rPr lang="en-US" dirty="0" err="1"/>
-              <a:t>tipos</a:t>
-            </a:r>
-            <a:r>
-              <a:rPr lang="en-US" dirty="0"/>
-              <a:t> de URL para utilizer</a:t>
+              <a:rPr lang="es-MX" dirty="0"/>
+              <a:t>Existen dos tipos de URL para utilizar</a:t>
             </a:r>
           </a:p>
           <a:p>
             <a:pPr lvl="1"/>
             <a:r>
-              <a:rPr lang="en-US" b="1" dirty="0"/>
-              <a:t>URL </a:t>
-            </a:r>
-            <a:r>
-              <a:rPr lang="en-US" b="1" dirty="0" err="1"/>
-              <a:t>absoluto</a:t>
-            </a:r>
-            <a:r>
-              <a:rPr lang="en-US" dirty="0"/>
-              <a:t>, el </a:t>
-            </a:r>
-            <a:r>
-              <a:rPr lang="en-US" dirty="0" err="1"/>
-              <a:t>cual</a:t>
-            </a:r>
-            <a:r>
-              <a:rPr lang="en-US" dirty="0"/>
-              <a:t> </a:t>
-            </a:r>
-            <a:r>
-              <a:rPr lang="en-US" dirty="0" err="1"/>
-              <a:t>nos</a:t>
-            </a:r>
-            <a:r>
-              <a:rPr lang="en-US" dirty="0"/>
-              <a:t> da la </a:t>
-            </a:r>
-            <a:r>
-              <a:rPr lang="en-US" b="1" dirty="0" err="1"/>
-              <a:t>direccion</a:t>
-            </a:r>
-            <a:r>
-              <a:rPr lang="en-US" b="1" dirty="0"/>
-              <a:t> complete </a:t>
-            </a:r>
-            <a:r>
-              <a:rPr lang="en-US" dirty="0"/>
-              <a:t>de un document</a:t>
+              <a:rPr lang="es-MX" b="1" dirty="0"/>
+              <a:t>URL absoluto</a:t>
+            </a:r>
+            <a:r>
+              <a:rPr lang="es-MX" dirty="0"/>
+              <a:t>, el cual nos da la </a:t>
+            </a:r>
+            <a:r>
+              <a:rPr lang="es-MX" b="1" dirty="0"/>
+              <a:t>dirección complete </a:t>
+            </a:r>
+            <a:r>
+              <a:rPr lang="es-MX" dirty="0"/>
+              <a:t>de un documento</a:t>
             </a:r>
           </a:p>
           <a:p>
@@ -4811,6 +4842,34 @@
             <a:r>
               <a:rPr lang="es-MX" dirty="0"/>
               <a:t>”&gt;New page &lt;/a&gt;</a:t>
+            </a:r>
+          </a:p>
+        </p:txBody>
+      </p:sp>
+      <p:sp>
+        <p:nvSpPr>
+          <p:cNvPr id="4" name="Marcador de pie de página 3">
+            <a:extLst>
+              <a:ext uri="{FF2B5EF4-FFF2-40B4-BE49-F238E27FC236}">
+                <a16:creationId xmlns:a16="http://schemas.microsoft.com/office/drawing/2014/main" id="{906BA4B9-635B-43A9-B9B1-26A4D986CB64}"/>
+              </a:ext>
+            </a:extLst>
+          </p:cNvPr>
+          <p:cNvSpPr>
+            <a:spLocks noGrp="1"/>
+          </p:cNvSpPr>
+          <p:nvPr>
+            <p:ph type="ftr" sz="quarter" idx="11"/>
+          </p:nvPr>
+        </p:nvSpPr>
+        <p:spPr/>
+        <p:txBody>
+          <a:bodyPr/>
+          <a:lstStyle/>
+          <a:p>
+            <a:r>
+              <a:rPr lang="es-MX"/>
+              <a:t>Lic. José Orihuela Sánchez Programación y Aplicaciones para la Web</a:t>
             </a:r>
           </a:p>
         </p:txBody>
@@ -4896,251 +4955,178 @@
           <a:lstStyle/>
           <a:p>
             <a:r>
-              <a:rPr lang="en-US" dirty="0"/>
-              <a:t>Para la </a:t>
-            </a:r>
-            <a:r>
-              <a:rPr lang="en-US" dirty="0" err="1"/>
-              <a:t>insercion</a:t>
-            </a:r>
-            <a:r>
-              <a:rPr lang="en-US" dirty="0"/>
-              <a:t> de </a:t>
-            </a:r>
-            <a:r>
-              <a:rPr lang="en-US" dirty="0" err="1"/>
-              <a:t>imagenes</a:t>
-            </a:r>
-            <a:r>
-              <a:rPr lang="en-US" dirty="0"/>
+              <a:rPr lang="es-MX" dirty="0"/>
+              <a:t>Para la inserción de imágenes existe un elemento </a:t>
+            </a:r>
+            <a:r>
+              <a:rPr lang="es-MX" b="1" dirty="0"/>
+              <a:t>&lt;</a:t>
+            </a:r>
+            <a:r>
+              <a:rPr lang="es-MX" b="1" dirty="0" err="1"/>
+              <a:t>img</a:t>
+            </a:r>
+            <a:r>
+              <a:rPr lang="es-MX" b="1" dirty="0"/>
+              <a:t>&gt; </a:t>
+            </a:r>
+            <a:r>
+              <a:rPr lang="es-MX" dirty="0"/>
+              <a:t>nos permitirá insertar diversos formatos tales como GIF, JPEG, PNG, SVG, etc.</a:t>
+            </a:r>
+          </a:p>
+          <a:p>
+            <a:r>
+              <a:rPr lang="es-MX" dirty="0"/>
+              <a:t>Contienen diversos atributos </a:t>
+            </a:r>
+          </a:p>
+          <a:p>
+            <a:r>
+              <a:rPr lang="es-MX" b="1" dirty="0" err="1"/>
+              <a:t>src</a:t>
+            </a:r>
+            <a:r>
+              <a:rPr lang="es-MX" b="1" dirty="0"/>
+              <a:t>,</a:t>
+            </a:r>
+            <a:r>
+              <a:rPr lang="es-MX" dirty="0"/>
+              <a:t> que nos permite colocar la URL de la imagen</a:t>
+            </a:r>
+          </a:p>
+          <a:p>
+            <a:r>
+              <a:rPr lang="es-MX" b="1" dirty="0" err="1"/>
+              <a:t>alt</a:t>
+            </a:r>
+            <a:r>
+              <a:rPr lang="es-MX" b="1" dirty="0"/>
+              <a:t>, </a:t>
+            </a:r>
+            <a:r>
+              <a:rPr lang="es-MX" dirty="0"/>
+              <a:t>un valor alternativo en caso de que la imagen no cargue</a:t>
+            </a:r>
+          </a:p>
+          <a:p>
+            <a:r>
+              <a:rPr lang="es-MX" b="1" dirty="0" err="1"/>
+              <a:t>height</a:t>
+            </a:r>
+            <a:r>
+              <a:rPr lang="es-MX" b="1" dirty="0"/>
+              <a:t>, </a:t>
+            </a:r>
+            <a:r>
+              <a:rPr lang="es-MX" dirty="0"/>
+              <a:t>el valor de la altura de la imagen</a:t>
+            </a:r>
+          </a:p>
+          <a:p>
+            <a:r>
+              <a:rPr lang="es-MX" b="1" dirty="0" err="1"/>
+              <a:t>widht</a:t>
+            </a:r>
+            <a:r>
+              <a:rPr lang="es-MX" b="1" dirty="0"/>
+              <a:t>, </a:t>
+            </a:r>
+            <a:r>
+              <a:rPr lang="es-MX" dirty="0"/>
+              <a:t>el ancho de la imagen</a:t>
+            </a:r>
+          </a:p>
+          <a:p>
+            <a:r>
+              <a:rPr lang="es-MX" dirty="0"/>
+              <a:t>&lt;</a:t>
+            </a:r>
+            <a:r>
+              <a:rPr lang="es-MX" dirty="0" err="1"/>
+              <a:t>img</a:t>
+            </a:r>
+            <a:r>
+              <a:rPr lang="es-MX" dirty="0"/>
+              <a:t> </a:t>
+            </a:r>
+            <a:r>
+              <a:rPr lang="es-MX" dirty="0" err="1"/>
+              <a:t>src</a:t>
+            </a:r>
+            <a:r>
+              <a:rPr lang="es-MX" dirty="0"/>
+              <a:t>="smiley.gif" </a:t>
+            </a:r>
+            <a:r>
+              <a:rPr lang="es-MX" dirty="0" err="1"/>
+              <a:t>alt</a:t>
+            </a:r>
+            <a:r>
+              <a:rPr lang="es-MX" dirty="0"/>
+              <a:t>="</a:t>
+            </a:r>
+            <a:r>
+              <a:rPr lang="es-MX" dirty="0" err="1"/>
+              <a:t>Smiley</a:t>
+            </a:r>
+            <a:r>
+              <a:rPr lang="es-MX" dirty="0"/>
               <a:t> </a:t>
             </a:r>
             <a:r>
-              <a:rPr lang="en-US" dirty="0" err="1"/>
-              <a:t>existe</a:t>
-            </a:r>
-            <a:r>
-              <a:rPr lang="en-US" dirty="0"/>
-              <a:t> un </a:t>
-            </a:r>
-            <a:r>
-              <a:rPr lang="en-US" dirty="0" err="1"/>
-              <a:t>elemento</a:t>
-            </a:r>
-            <a:r>
-              <a:rPr lang="en-US" dirty="0"/>
-              <a:t> </a:t>
-            </a:r>
-            <a:r>
-              <a:rPr lang="en-US" b="1" dirty="0"/>
-              <a:t>&lt;</a:t>
-            </a:r>
-            <a:r>
-              <a:rPr lang="en-US" b="1" dirty="0" err="1"/>
-              <a:t>img</a:t>
-            </a:r>
-            <a:r>
-              <a:rPr lang="en-US" b="1" dirty="0"/>
-              <a:t>&gt; </a:t>
-            </a:r>
-            <a:r>
-              <a:rPr lang="en-US" dirty="0" err="1"/>
-              <a:t>nos</a:t>
-            </a:r>
-            <a:r>
-              <a:rPr lang="en-US" dirty="0"/>
-              <a:t> </a:t>
-            </a:r>
-            <a:r>
-              <a:rPr lang="en-US" dirty="0" err="1"/>
-              <a:t>permitira</a:t>
-            </a:r>
-            <a:r>
-              <a:rPr lang="en-US" dirty="0"/>
-              <a:t> inserter </a:t>
-            </a:r>
-            <a:r>
-              <a:rPr lang="en-US" dirty="0" err="1"/>
-              <a:t>diversos</a:t>
-            </a:r>
-            <a:r>
-              <a:rPr lang="en-US" dirty="0"/>
-              <a:t> </a:t>
-            </a:r>
-            <a:r>
-              <a:rPr lang="en-US" dirty="0" err="1"/>
-              <a:t>formatos</a:t>
-            </a:r>
-            <a:r>
-              <a:rPr lang="en-US" dirty="0"/>
-              <a:t> tales </a:t>
-            </a:r>
-            <a:r>
-              <a:rPr lang="en-US" dirty="0" err="1"/>
-              <a:t>como</a:t>
-            </a:r>
-            <a:r>
-              <a:rPr lang="en-US" dirty="0"/>
-              <a:t> GIF, JPEG, PNG, SVG, etc.</a:t>
-            </a:r>
-          </a:p>
-          <a:p>
-            <a:r>
-              <a:rPr lang="en-US" dirty="0" err="1"/>
-              <a:t>Contienen</a:t>
-            </a:r>
-            <a:r>
-              <a:rPr lang="en-US" dirty="0"/>
-              <a:t> </a:t>
-            </a:r>
-            <a:r>
-              <a:rPr lang="en-US" dirty="0" err="1"/>
-              <a:t>diversos</a:t>
-            </a:r>
-            <a:r>
-              <a:rPr lang="en-US" dirty="0"/>
-              <a:t> </a:t>
-            </a:r>
-            <a:r>
-              <a:rPr lang="en-US" dirty="0" err="1"/>
-              <a:t>atributos</a:t>
-            </a:r>
-            <a:r>
-              <a:rPr lang="en-US" dirty="0"/>
-              <a:t> </a:t>
-            </a:r>
-          </a:p>
-          <a:p>
-            <a:r>
-              <a:rPr lang="en-US" b="1" dirty="0" err="1"/>
-              <a:t>src</a:t>
-            </a:r>
-            <a:r>
-              <a:rPr lang="en-US" b="1" dirty="0"/>
-              <a:t>,</a:t>
-            </a:r>
-            <a:r>
-              <a:rPr lang="en-US" dirty="0"/>
-              <a:t> que </a:t>
-            </a:r>
-            <a:r>
-              <a:rPr lang="en-US" dirty="0" err="1"/>
-              <a:t>nos</a:t>
-            </a:r>
-            <a:r>
-              <a:rPr lang="en-US" dirty="0"/>
-              <a:t> </a:t>
-            </a:r>
-            <a:r>
-              <a:rPr lang="en-US" dirty="0" err="1"/>
-              <a:t>permite</a:t>
-            </a:r>
-            <a:r>
-              <a:rPr lang="en-US" dirty="0"/>
-              <a:t> </a:t>
-            </a:r>
-            <a:r>
-              <a:rPr lang="en-US" dirty="0" err="1"/>
-              <a:t>colocar</a:t>
-            </a:r>
-            <a:r>
-              <a:rPr lang="en-US" dirty="0"/>
-              <a:t> la URL de la imagen</a:t>
-            </a:r>
-          </a:p>
-          <a:p>
-            <a:r>
-              <a:rPr lang="en-US" b="1" dirty="0"/>
-              <a:t>alt, </a:t>
-            </a:r>
-            <a:r>
-              <a:rPr lang="en-US" dirty="0"/>
-              <a:t>un valor </a:t>
-            </a:r>
-            <a:r>
-              <a:rPr lang="en-US" dirty="0" err="1"/>
-              <a:t>alternativo</a:t>
-            </a:r>
-            <a:r>
-              <a:rPr lang="en-US" dirty="0"/>
-              <a:t> </a:t>
-            </a:r>
-            <a:r>
-              <a:rPr lang="en-US" dirty="0" err="1"/>
-              <a:t>en</a:t>
-            </a:r>
-            <a:r>
-              <a:rPr lang="en-US" dirty="0"/>
-              <a:t> </a:t>
-            </a:r>
-            <a:r>
-              <a:rPr lang="en-US" dirty="0" err="1"/>
-              <a:t>caso</a:t>
-            </a:r>
-            <a:r>
-              <a:rPr lang="en-US" dirty="0"/>
-              <a:t> de que la imagen no </a:t>
-            </a:r>
-            <a:r>
-              <a:rPr lang="en-US" dirty="0" err="1"/>
-              <a:t>cargue</a:t>
-            </a:r>
-            <a:endParaRPr lang="en-US" dirty="0"/>
-          </a:p>
-          <a:p>
-            <a:r>
-              <a:rPr lang="en-US" b="1" dirty="0"/>
-              <a:t>height, </a:t>
-            </a:r>
-            <a:r>
-              <a:rPr lang="en-US" dirty="0"/>
-              <a:t>el valor de la </a:t>
-            </a:r>
-            <a:r>
-              <a:rPr lang="en-US" dirty="0" err="1"/>
-              <a:t>altura</a:t>
-            </a:r>
-            <a:r>
-              <a:rPr lang="en-US" dirty="0"/>
-              <a:t> de la imagen</a:t>
-            </a:r>
-          </a:p>
-          <a:p>
-            <a:r>
-              <a:rPr lang="en-US" b="1" dirty="0" err="1"/>
-              <a:t>widht</a:t>
-            </a:r>
-            <a:r>
-              <a:rPr lang="en-US" b="1" dirty="0"/>
-              <a:t>, </a:t>
-            </a:r>
-            <a:r>
-              <a:rPr lang="en-US" dirty="0"/>
-              <a:t>el ancho de la imagen</a:t>
-            </a:r>
-          </a:p>
-          <a:p>
-            <a:r>
-              <a:rPr lang="en-US" dirty="0"/>
-              <a:t>&lt;</a:t>
-            </a:r>
-            <a:r>
-              <a:rPr lang="en-US" dirty="0" err="1"/>
-              <a:t>img</a:t>
-            </a:r>
-            <a:r>
-              <a:rPr lang="en-US" dirty="0"/>
-              <a:t> </a:t>
-            </a:r>
-            <a:r>
-              <a:rPr lang="en-US" dirty="0" err="1"/>
-              <a:t>src</a:t>
-            </a:r>
-            <a:r>
-              <a:rPr lang="en-US" dirty="0"/>
-              <a:t>="smiley.gif" alt="Smiley face" height="42" width="42"&gt;</a:t>
-            </a:r>
-            <a:endParaRPr lang="en-US" b="1" dirty="0"/>
+              <a:rPr lang="es-MX" dirty="0" err="1"/>
+              <a:t>face</a:t>
+            </a:r>
+            <a:r>
+              <a:rPr lang="es-MX" dirty="0"/>
+              <a:t>" </a:t>
+            </a:r>
+            <a:r>
+              <a:rPr lang="es-MX" dirty="0" err="1"/>
+              <a:t>height</a:t>
+            </a:r>
+            <a:r>
+              <a:rPr lang="es-MX" dirty="0"/>
+              <a:t>="42" </a:t>
+            </a:r>
+            <a:r>
+              <a:rPr lang="es-MX" dirty="0" err="1"/>
+              <a:t>width</a:t>
+            </a:r>
+            <a:r>
+              <a:rPr lang="es-MX" dirty="0"/>
+              <a:t>="42"&gt;</a:t>
+            </a:r>
+            <a:endParaRPr lang="es-MX" b="1" dirty="0"/>
+          </a:p>
+        </p:txBody>
+      </p:sp>
+      <p:sp>
+        <p:nvSpPr>
+          <p:cNvPr id="4" name="Marcador de pie de página 3">
+            <a:extLst>
+              <a:ext uri="{FF2B5EF4-FFF2-40B4-BE49-F238E27FC236}">
+                <a16:creationId xmlns:a16="http://schemas.microsoft.com/office/drawing/2014/main" id="{A2E5B15B-4FBD-448E-A536-AC48FCA826C4}"/>
+              </a:ext>
+            </a:extLst>
+          </p:cNvPr>
+          <p:cNvSpPr>
+            <a:spLocks noGrp="1"/>
+          </p:cNvSpPr>
+          <p:nvPr>
+            <p:ph type="ftr" sz="quarter" idx="11"/>
+          </p:nvPr>
+        </p:nvSpPr>
+        <p:spPr/>
+        <p:txBody>
+          <a:bodyPr/>
+          <a:lstStyle/>
+          <a:p>
+            <a:r>
+              <a:rPr lang="es-MX"/>
+              <a:t>Lic. José Orihuela Sánchez Programación y Aplicaciones para la Web</a:t>
+            </a:r>
           </a:p>
         </p:txBody>
       </p:sp>
@@ -5233,187 +5219,94 @@
           <a:lstStyle/>
           <a:p>
             <a:r>
-              <a:rPr lang="en-US" dirty="0"/>
-              <a:t>Para </a:t>
-            </a:r>
-            <a:r>
-              <a:rPr lang="en-US" dirty="0" err="1"/>
-              <a:t>crear</a:t>
-            </a:r>
-            <a:r>
-              <a:rPr lang="en-US" dirty="0"/>
-              <a:t> </a:t>
-            </a:r>
-            <a:r>
-              <a:rPr lang="en-US" dirty="0" err="1"/>
-              <a:t>tablas</a:t>
-            </a:r>
-            <a:r>
-              <a:rPr lang="en-US" dirty="0"/>
-              <a:t> temenos </a:t>
-            </a:r>
-            <a:r>
-              <a:rPr lang="en-US" dirty="0" err="1"/>
-              <a:t>algunas</a:t>
-            </a:r>
-            <a:r>
-              <a:rPr lang="en-US" dirty="0"/>
-              <a:t> </a:t>
-            </a:r>
-            <a:r>
-              <a:rPr lang="en-US" dirty="0" err="1"/>
-              <a:t>marcadores</a:t>
-            </a:r>
-            <a:r>
-              <a:rPr lang="en-US" dirty="0"/>
-              <a:t> </a:t>
-            </a:r>
-            <a:r>
-              <a:rPr lang="en-US" dirty="0" err="1"/>
-              <a:t>especificos</a:t>
-            </a:r>
-            <a:r>
-              <a:rPr lang="en-US" dirty="0"/>
-              <a:t>.</a:t>
+              <a:rPr lang="es-MX" dirty="0"/>
+              <a:t>Para crear tablas témenos algunas marcadores específicos.</a:t>
             </a:r>
           </a:p>
           <a:p>
             <a:pPr lvl="1"/>
             <a:r>
-              <a:rPr lang="en-US" b="1" dirty="0"/>
+              <a:rPr lang="es-MX" b="1" dirty="0"/>
               <a:t>table, </a:t>
             </a:r>
             <a:r>
-              <a:rPr lang="en-US" dirty="0" err="1"/>
-              <a:t>nos</a:t>
-            </a:r>
-            <a:r>
-              <a:rPr lang="en-US" dirty="0"/>
-              <a:t> </a:t>
-            </a:r>
-            <a:r>
-              <a:rPr lang="en-US" dirty="0" err="1"/>
-              <a:t>permite</a:t>
-            </a:r>
-            <a:r>
-              <a:rPr lang="en-US" dirty="0"/>
-              <a:t> </a:t>
-            </a:r>
-            <a:r>
-              <a:rPr lang="en-US" dirty="0" err="1"/>
-              <a:t>dar</a:t>
-            </a:r>
-            <a:r>
-              <a:rPr lang="en-US" dirty="0"/>
-              <a:t> el </a:t>
-            </a:r>
-            <a:r>
-              <a:rPr lang="en-US" dirty="0" err="1"/>
-              <a:t>inicio</a:t>
-            </a:r>
-            <a:r>
-              <a:rPr lang="en-US" dirty="0"/>
-              <a:t> de los </a:t>
-            </a:r>
-            <a:r>
-              <a:rPr lang="en-US" dirty="0" err="1"/>
-              <a:t>elementos</a:t>
-            </a:r>
-            <a:r>
-              <a:rPr lang="en-US" dirty="0"/>
-              <a:t> de la table</a:t>
+              <a:rPr lang="es-MX" dirty="0"/>
+              <a:t>nos permite dar el inicio de los elementos de la table</a:t>
             </a:r>
           </a:p>
           <a:p>
             <a:pPr lvl="1"/>
             <a:r>
-              <a:rPr lang="en-US" b="1" dirty="0"/>
-              <a:t>tr, </a:t>
-            </a:r>
-            <a:r>
-              <a:rPr lang="en-US" dirty="0"/>
-              <a:t>la fila de </a:t>
-            </a:r>
-            <a:r>
-              <a:rPr lang="en-US" dirty="0" err="1"/>
-              <a:t>nuestra</a:t>
-            </a:r>
-            <a:r>
-              <a:rPr lang="en-US" dirty="0"/>
-              <a:t> table</a:t>
+              <a:rPr lang="es-MX" b="1" dirty="0" err="1"/>
+              <a:t>tr</a:t>
+            </a:r>
+            <a:r>
+              <a:rPr lang="es-MX" b="1" dirty="0"/>
+              <a:t>, </a:t>
+            </a:r>
+            <a:r>
+              <a:rPr lang="es-MX" dirty="0"/>
+              <a:t>la fila de nuestra table</a:t>
             </a:r>
           </a:p>
           <a:p>
             <a:pPr lvl="1"/>
             <a:r>
-              <a:rPr lang="en-US" b="1" dirty="0" err="1"/>
+              <a:rPr lang="es-MX" b="1" dirty="0" err="1"/>
               <a:t>th</a:t>
             </a:r>
             <a:r>
-              <a:rPr lang="en-US" b="1" dirty="0"/>
+              <a:rPr lang="es-MX" b="1" dirty="0"/>
               <a:t>, </a:t>
             </a:r>
             <a:r>
-              <a:rPr lang="en-US" dirty="0"/>
-              <a:t>los </a:t>
-            </a:r>
-            <a:r>
-              <a:rPr lang="en-US" dirty="0" err="1"/>
-              <a:t>encabezados</a:t>
-            </a:r>
-            <a:r>
-              <a:rPr lang="en-US" dirty="0"/>
-              <a:t> de </a:t>
-            </a:r>
-            <a:r>
-              <a:rPr lang="en-US" dirty="0" err="1"/>
-              <a:t>nuestras</a:t>
-            </a:r>
-            <a:r>
-              <a:rPr lang="en-US" dirty="0"/>
-              <a:t> </a:t>
-            </a:r>
-            <a:r>
-              <a:rPr lang="en-US" dirty="0" err="1"/>
-              <a:t>columnas</a:t>
-            </a:r>
-            <a:endParaRPr lang="en-US" dirty="0"/>
+              <a:rPr lang="es-MX" dirty="0"/>
+              <a:t>los encabezados de nuestras columnas</a:t>
+            </a:r>
           </a:p>
           <a:p>
             <a:pPr lvl="1"/>
             <a:r>
-              <a:rPr lang="en-US" b="1" dirty="0" err="1"/>
+              <a:rPr lang="es-MX" b="1" dirty="0" err="1"/>
               <a:t>td,</a:t>
             </a:r>
             <a:r>
-              <a:rPr lang="en-US" dirty="0" err="1"/>
+              <a:rPr lang="es-MX" dirty="0" err="1"/>
               <a:t>los</a:t>
             </a:r>
             <a:r>
-              <a:rPr lang="en-US" dirty="0"/>
-              <a:t> </a:t>
-            </a:r>
-            <a:r>
-              <a:rPr lang="en-US" dirty="0" err="1"/>
-              <a:t>datos</a:t>
-            </a:r>
-            <a:r>
-              <a:rPr lang="en-US" dirty="0"/>
-              <a:t> de </a:t>
-            </a:r>
-            <a:r>
-              <a:rPr lang="en-US" dirty="0" err="1"/>
-              <a:t>nuestras</a:t>
-            </a:r>
-            <a:r>
-              <a:rPr lang="en-US" dirty="0"/>
-              <a:t> </a:t>
-            </a:r>
-            <a:r>
-              <a:rPr lang="en-US" dirty="0" err="1"/>
-              <a:t>celdas</a:t>
+              <a:rPr lang="es-MX" dirty="0"/>
+              <a:t> datos de nuestras celdas</a:t>
             </a:r>
             <a:endParaRPr lang="es-MX" b="1" dirty="0"/>
+          </a:p>
+        </p:txBody>
+      </p:sp>
+      <p:sp>
+        <p:nvSpPr>
+          <p:cNvPr id="4" name="Marcador de pie de página 3">
+            <a:extLst>
+              <a:ext uri="{FF2B5EF4-FFF2-40B4-BE49-F238E27FC236}">
+                <a16:creationId xmlns:a16="http://schemas.microsoft.com/office/drawing/2014/main" id="{D1AFB783-A861-4DBF-8F3E-69DF3F1EA4C2}"/>
+              </a:ext>
+            </a:extLst>
+          </p:cNvPr>
+          <p:cNvSpPr>
+            <a:spLocks noGrp="1"/>
+          </p:cNvSpPr>
+          <p:nvPr>
+            <p:ph type="ftr" sz="quarter" idx="11"/>
+          </p:nvPr>
+        </p:nvSpPr>
+        <p:spPr/>
+        <p:txBody>
+          <a:bodyPr/>
+          <a:lstStyle/>
+          <a:p>
+            <a:r>
+              <a:rPr lang="es-MX"/>
+              <a:t>Lic. José Orihuela Sánchez Programación y Aplicaciones para la Web</a:t>
+            </a:r>
           </a:p>
         </p:txBody>
       </p:sp>
@@ -5788,6 +5681,34 @@
           </a:p>
         </p:txBody>
       </p:sp>
+      <p:sp>
+        <p:nvSpPr>
+          <p:cNvPr id="4" name="Marcador de pie de página 3">
+            <a:extLst>
+              <a:ext uri="{FF2B5EF4-FFF2-40B4-BE49-F238E27FC236}">
+                <a16:creationId xmlns:a16="http://schemas.microsoft.com/office/drawing/2014/main" id="{1065098C-B5C6-4EBC-8E56-B53F213D3903}"/>
+              </a:ext>
+            </a:extLst>
+          </p:cNvPr>
+          <p:cNvSpPr>
+            <a:spLocks noGrp="1"/>
+          </p:cNvSpPr>
+          <p:nvPr>
+            <p:ph type="ftr" sz="quarter" idx="11"/>
+          </p:nvPr>
+        </p:nvSpPr>
+        <p:spPr/>
+        <p:txBody>
+          <a:bodyPr/>
+          <a:lstStyle/>
+          <a:p>
+            <a:r>
+              <a:rPr lang="es-MX"/>
+              <a:t>Lic. José Orihuela Sánchez Programación y Aplicaciones para la Web</a:t>
+            </a:r>
+          </a:p>
+        </p:txBody>
+      </p:sp>
     </p:spTree>
     <p:extLst>
       <p:ext uri="{BB962C8B-B14F-4D97-AF65-F5344CB8AC3E}">
@@ -5894,6 +5815,34 @@
           </a:p>
         </p:txBody>
       </p:sp>
+      <p:sp>
+        <p:nvSpPr>
+          <p:cNvPr id="4" name="Marcador de pie de página 3">
+            <a:extLst>
+              <a:ext uri="{FF2B5EF4-FFF2-40B4-BE49-F238E27FC236}">
+                <a16:creationId xmlns:a16="http://schemas.microsoft.com/office/drawing/2014/main" id="{5B3694E0-FFAB-46CC-8E55-5EF76271EA8D}"/>
+              </a:ext>
+            </a:extLst>
+          </p:cNvPr>
+          <p:cNvSpPr>
+            <a:spLocks noGrp="1"/>
+          </p:cNvSpPr>
+          <p:nvPr>
+            <p:ph type="ftr" sz="quarter" idx="11"/>
+          </p:nvPr>
+        </p:nvSpPr>
+        <p:spPr/>
+        <p:txBody>
+          <a:bodyPr/>
+          <a:lstStyle/>
+          <a:p>
+            <a:r>
+              <a:rPr lang="es-MX"/>
+              <a:t>Lic. José Orihuela Sánchez Programación y Aplicaciones para la Web</a:t>
+            </a:r>
+          </a:p>
+        </p:txBody>
+      </p:sp>
     </p:spTree>
     <p:extLst>
       <p:ext uri="{BB962C8B-B14F-4D97-AF65-F5344CB8AC3E}">
@@ -5986,29 +5935,8 @@
           <a:p>
             <a:r>
               <a:rPr lang="es-MX" dirty="0"/>
-              <a:t>Existen 3 tipos </a:t>
-            </a:r>
-            <a:r>
-              <a:rPr lang="es-MX" dirty="0" err="1"/>
-              <a:t>principals</a:t>
-            </a:r>
-            <a:r>
-              <a:rPr lang="es-MX" dirty="0"/>
-              <a:t> de </a:t>
-            </a:r>
-            <a:r>
-              <a:rPr lang="es-MX" dirty="0" err="1"/>
-              <a:t>agragar</a:t>
-            </a:r>
-            <a:r>
-              <a:rPr lang="es-MX" dirty="0"/>
-              <a:t> un CSS a nuestro </a:t>
-            </a:r>
-            <a:r>
-              <a:rPr lang="es-MX" dirty="0" err="1"/>
-              <a:t>document</a:t>
-            </a:r>
-            <a:endParaRPr lang="es-MX" dirty="0"/>
+              <a:t>Existen 3 tipos principal de agregar un CSS a nuestro documento</a:t>
+            </a:r>
           </a:p>
           <a:p>
             <a:r>
@@ -6191,6 +6119,34 @@
             <a:r>
               <a:rPr lang="es-MX" b="1" dirty="0"/>
               <a:t>&gt;</a:t>
+            </a:r>
+          </a:p>
+        </p:txBody>
+      </p:sp>
+      <p:sp>
+        <p:nvSpPr>
+          <p:cNvPr id="4" name="Marcador de pie de página 3">
+            <a:extLst>
+              <a:ext uri="{FF2B5EF4-FFF2-40B4-BE49-F238E27FC236}">
+                <a16:creationId xmlns:a16="http://schemas.microsoft.com/office/drawing/2014/main" id="{A4B3F9F8-2013-45AA-89AF-1D82C3B57DE4}"/>
+              </a:ext>
+            </a:extLst>
+          </p:cNvPr>
+          <p:cNvSpPr>
+            <a:spLocks noGrp="1"/>
+          </p:cNvSpPr>
+          <p:nvPr>
+            <p:ph type="ftr" sz="quarter" idx="11"/>
+          </p:nvPr>
+        </p:nvSpPr>
+        <p:spPr/>
+        <p:txBody>
+          <a:bodyPr/>
+          <a:lstStyle/>
+          <a:p>
+            <a:r>
+              <a:rPr lang="es-MX"/>
+              <a:t>Lic. José Orihuela Sánchez Programación y Aplicaciones para la Web</a:t>
             </a:r>
           </a:p>
         </p:txBody>
@@ -6276,185 +6232,107 @@
           <a:lstStyle/>
           <a:p>
             <a:r>
-              <a:rPr lang="en-US" dirty="0"/>
-              <a:t>Los CSS </a:t>
-            </a:r>
-            <a:r>
-              <a:rPr lang="en-US" dirty="0" err="1"/>
-              <a:t>tienen</a:t>
-            </a:r>
-            <a:r>
-              <a:rPr lang="en-US" dirty="0"/>
-              <a:t> una </a:t>
-            </a:r>
-            <a:r>
-              <a:rPr lang="en-US" dirty="0" err="1"/>
-              <a:t>estructura</a:t>
-            </a:r>
-            <a:r>
-              <a:rPr lang="en-US" dirty="0"/>
-              <a:t> simple</a:t>
+              <a:rPr lang="es-MX" dirty="0"/>
+              <a:t>Los CSS tienen una estructura simple</a:t>
             </a:r>
           </a:p>
           <a:p>
             <a:pPr lvl="1"/>
             <a:r>
-              <a:rPr lang="en-US" b="1" dirty="0"/>
+              <a:rPr lang="es-MX" b="1" dirty="0"/>
               <a:t>Selector, </a:t>
             </a:r>
             <a:r>
-              <a:rPr lang="en-US" dirty="0"/>
-              <a:t>el </a:t>
-            </a:r>
-            <a:r>
-              <a:rPr lang="en-US" dirty="0" err="1"/>
-              <a:t>contenedor</a:t>
-            </a:r>
-            <a:r>
-              <a:rPr lang="en-US" dirty="0"/>
-              <a:t> a </a:t>
-            </a:r>
-            <a:r>
-              <a:rPr lang="en-US" dirty="0" err="1"/>
-              <a:t>modificar</a:t>
-            </a:r>
-            <a:endParaRPr lang="en-US" dirty="0"/>
+              <a:rPr lang="es-MX" dirty="0"/>
+              <a:t>el contenedor a modificar</a:t>
+            </a:r>
           </a:p>
           <a:p>
             <a:pPr lvl="1"/>
             <a:r>
-              <a:rPr lang="en-US" b="1" dirty="0" err="1"/>
+              <a:rPr lang="es-MX" b="1" dirty="0" err="1"/>
               <a:t>Declaracion</a:t>
             </a:r>
             <a:r>
-              <a:rPr lang="en-US" b="1" dirty="0"/>
+              <a:rPr lang="es-MX" b="1" dirty="0"/>
               <a:t>, </a:t>
             </a:r>
             <a:r>
-              <a:rPr lang="en-US" dirty="0"/>
-              <a:t>los </a:t>
-            </a:r>
-            <a:r>
-              <a:rPr lang="en-US" dirty="0" err="1"/>
-              <a:t>valores</a:t>
-            </a:r>
-            <a:r>
-              <a:rPr lang="en-US" dirty="0"/>
-              <a:t> que </a:t>
-            </a:r>
-            <a:r>
-              <a:rPr lang="en-US" dirty="0" err="1"/>
+              <a:rPr lang="es-MX" dirty="0"/>
+              <a:t>los valores que </a:t>
+            </a:r>
+            <a:r>
+              <a:rPr lang="es-MX" dirty="0" err="1"/>
               <a:t>seran</a:t>
             </a:r>
             <a:r>
-              <a:rPr lang="en-US" dirty="0"/>
-              <a:t> </a:t>
-            </a:r>
-            <a:r>
-              <a:rPr lang="en-US" dirty="0" err="1"/>
-              <a:t>modificados</a:t>
-            </a:r>
-            <a:endParaRPr lang="en-US" dirty="0"/>
+              <a:rPr lang="es-MX" dirty="0"/>
+              <a:t> modificados</a:t>
+            </a:r>
           </a:p>
           <a:p>
             <a:pPr lvl="1"/>
             <a:r>
-              <a:rPr lang="en-US" b="1" dirty="0" err="1"/>
-              <a:t>Propiedades</a:t>
-            </a:r>
-            <a:r>
-              <a:rPr lang="en-US" b="1" dirty="0"/>
-              <a:t>,</a:t>
-            </a:r>
-            <a:r>
-              <a:rPr lang="en-US" dirty="0"/>
-              <a:t> que valor sera </a:t>
-            </a:r>
-            <a:r>
-              <a:rPr lang="en-US" dirty="0" err="1"/>
-              <a:t>modificado</a:t>
-            </a:r>
-            <a:r>
-              <a:rPr lang="en-US" dirty="0"/>
-              <a:t>, </a:t>
-            </a:r>
-            <a:r>
-              <a:rPr lang="en-US" dirty="0" err="1"/>
-              <a:t>puede</a:t>
-            </a:r>
-            <a:r>
-              <a:rPr lang="en-US" dirty="0"/>
-              <a:t> </a:t>
-            </a:r>
-            <a:r>
-              <a:rPr lang="en-US" dirty="0" err="1"/>
-              <a:t>variar</a:t>
-            </a:r>
-            <a:r>
-              <a:rPr lang="en-US" dirty="0"/>
-              <a:t> entre una gran </a:t>
-            </a:r>
-            <a:r>
-              <a:rPr lang="en-US" dirty="0" err="1"/>
-              <a:t>diversidad</a:t>
-            </a:r>
-            <a:r>
-              <a:rPr lang="en-US" dirty="0"/>
-              <a:t> tales </a:t>
-            </a:r>
-            <a:r>
-              <a:rPr lang="en-US" dirty="0" err="1"/>
-              <a:t>como</a:t>
-            </a:r>
-            <a:r>
-              <a:rPr lang="en-US" dirty="0"/>
-              <a:t> </a:t>
-            </a:r>
-            <a:r>
-              <a:rPr lang="en-US" dirty="0" err="1"/>
-              <a:t>fondo</a:t>
-            </a:r>
-            <a:r>
-              <a:rPr lang="en-US" dirty="0"/>
-              <a:t>, </a:t>
-            </a:r>
-            <a:r>
-              <a:rPr lang="en-US" dirty="0" err="1"/>
-              <a:t>texto</a:t>
-            </a:r>
-            <a:r>
-              <a:rPr lang="en-US" dirty="0"/>
-              <a:t>, color de </a:t>
-            </a:r>
-            <a:r>
-              <a:rPr lang="en-US" dirty="0" err="1"/>
-              <a:t>texto</a:t>
-            </a:r>
-            <a:r>
-              <a:rPr lang="en-US" dirty="0"/>
-              <a:t>, </a:t>
-            </a:r>
-            <a:r>
-              <a:rPr lang="en-US" dirty="0" err="1"/>
+              <a:rPr lang="es-MX" b="1" dirty="0"/>
+              <a:t>Propiedades,</a:t>
+            </a:r>
+            <a:r>
+              <a:rPr lang="es-MX" dirty="0"/>
+              <a:t> que valor </a:t>
+            </a:r>
+            <a:r>
+              <a:rPr lang="es-MX" dirty="0" err="1"/>
+              <a:t>sera</a:t>
+            </a:r>
+            <a:r>
+              <a:rPr lang="es-MX" dirty="0"/>
+              <a:t> modificado, puede variar entre una gran diversidad tales como fondo, texto, color de texto, </a:t>
+            </a:r>
+            <a:r>
+              <a:rPr lang="es-MX" dirty="0" err="1"/>
               <a:t>etc</a:t>
             </a:r>
-            <a:endParaRPr lang="en-US" dirty="0"/>
+            <a:endParaRPr lang="es-MX" dirty="0"/>
           </a:p>
           <a:p>
             <a:pPr lvl="1"/>
             <a:r>
-              <a:rPr lang="en-US" b="1" dirty="0"/>
+              <a:rPr lang="es-MX" b="1" dirty="0"/>
               <a:t>Valor, </a:t>
             </a:r>
             <a:r>
-              <a:rPr lang="en-US" dirty="0"/>
-              <a:t>el valor de la </a:t>
-            </a:r>
-            <a:r>
-              <a:rPr lang="en-US" dirty="0" err="1"/>
-              <a:t>propiedad</a:t>
+              <a:rPr lang="es-MX" dirty="0"/>
+              <a:t>el valor de la propiedad</a:t>
             </a:r>
             <a:endParaRPr lang="es-MX" b="1" dirty="0"/>
+          </a:p>
+        </p:txBody>
+      </p:sp>
+      <p:sp>
+        <p:nvSpPr>
+          <p:cNvPr id="4" name="Marcador de pie de página 3">
+            <a:extLst>
+              <a:ext uri="{FF2B5EF4-FFF2-40B4-BE49-F238E27FC236}">
+                <a16:creationId xmlns:a16="http://schemas.microsoft.com/office/drawing/2014/main" id="{EE218652-A8AC-4A3A-926F-E1471886A221}"/>
+              </a:ext>
+            </a:extLst>
+          </p:cNvPr>
+          <p:cNvSpPr>
+            <a:spLocks noGrp="1"/>
+          </p:cNvSpPr>
+          <p:nvPr>
+            <p:ph type="ftr" sz="quarter" idx="11"/>
+          </p:nvPr>
+        </p:nvSpPr>
+        <p:spPr/>
+        <p:txBody>
+          <a:bodyPr/>
+          <a:lstStyle/>
+          <a:p>
+            <a:r>
+              <a:rPr lang="es-MX"/>
+              <a:t>Lic. José Orihuela Sánchez Programación y Aplicaciones para la Web</a:t>
+            </a:r>
           </a:p>
         </p:txBody>
       </p:sp>
@@ -6540,15 +6418,7 @@
           <a:p>
             <a:r>
               <a:rPr lang="es-MX" dirty="0"/>
-              <a:t>La </a:t>
-            </a:r>
-            <a:r>
-              <a:rPr lang="es-MX" dirty="0" err="1"/>
-              <a:t>razon</a:t>
-            </a:r>
-            <a:r>
-              <a:rPr lang="es-MX" dirty="0"/>
-              <a:t> por la cual obtiene este nombre es dado que las propiedades se van transmitiendo, desde el valor mas externo hasta el mas interno.</a:t>
+              <a:t>La razón por la cual obtiene este nombre es dado que las propiedades se van transmitiendo, desde el valor mas externo hasta el mas interno.</a:t>
             </a:r>
           </a:p>
           <a:p>
@@ -6616,6 +6486,34 @@
               <a:t>important</a:t>
             </a:r>
             <a:endParaRPr lang="es-MX" dirty="0"/>
+          </a:p>
+        </p:txBody>
+      </p:sp>
+      <p:sp>
+        <p:nvSpPr>
+          <p:cNvPr id="4" name="Marcador de pie de página 3">
+            <a:extLst>
+              <a:ext uri="{FF2B5EF4-FFF2-40B4-BE49-F238E27FC236}">
+                <a16:creationId xmlns:a16="http://schemas.microsoft.com/office/drawing/2014/main" id="{57F5181F-47C0-480D-9CB5-459C43208DFB}"/>
+              </a:ext>
+            </a:extLst>
+          </p:cNvPr>
+          <p:cNvSpPr>
+            <a:spLocks noGrp="1"/>
+          </p:cNvSpPr>
+          <p:nvPr>
+            <p:ph type="ftr" sz="quarter" idx="11"/>
+          </p:nvPr>
+        </p:nvSpPr>
+        <p:spPr/>
+        <p:txBody>
+          <a:bodyPr/>
+          <a:lstStyle/>
+          <a:p>
+            <a:r>
+              <a:rPr lang="es-MX"/>
+              <a:t>Lic. José Orihuela Sánchez Programación y Aplicaciones para la Web</a:t>
+            </a:r>
           </a:p>
         </p:txBody>
       </p:sp>
@@ -6701,15 +6599,7 @@
           <a:p>
             <a:r>
               <a:rPr lang="es-MX" dirty="0"/>
-              <a:t>Si llega a existir </a:t>
-            </a:r>
-            <a:r>
-              <a:rPr lang="es-MX" dirty="0" err="1"/>
-              <a:t>algun</a:t>
-            </a:r>
-            <a:r>
-              <a:rPr lang="es-MX" dirty="0"/>
-              <a:t> conflicto entre las reglas de los CSS los buscadores tienden a determinar cual es el mas especifico y mostrar este valor.</a:t>
+              <a:t>Si llega a existir algún conflicto entre las reglas de los CSS los buscadores tienden a determinar cual es el mas especifico y mostrar este valor.</a:t>
             </a:r>
           </a:p>
           <a:p>
@@ -6826,6 +6716,34 @@
               <a:t> y :after.</a:t>
             </a:r>
             <a:endParaRPr lang="es-MX" b="1" dirty="0"/>
+          </a:p>
+        </p:txBody>
+      </p:sp>
+      <p:sp>
+        <p:nvSpPr>
+          <p:cNvPr id="4" name="Marcador de pie de página 3">
+            <a:extLst>
+              <a:ext uri="{FF2B5EF4-FFF2-40B4-BE49-F238E27FC236}">
+                <a16:creationId xmlns:a16="http://schemas.microsoft.com/office/drawing/2014/main" id="{25B9C8B9-864F-4176-8BCC-F146197DE4BA}"/>
+              </a:ext>
+            </a:extLst>
+          </p:cNvPr>
+          <p:cNvSpPr>
+            <a:spLocks noGrp="1"/>
+          </p:cNvSpPr>
+          <p:nvPr>
+            <p:ph type="ftr" sz="quarter" idx="11"/>
+          </p:nvPr>
+        </p:nvSpPr>
+        <p:spPr/>
+        <p:txBody>
+          <a:bodyPr/>
+          <a:lstStyle/>
+          <a:p>
+            <a:r>
+              <a:rPr lang="es-MX"/>
+              <a:t>Lic. José Orihuela Sánchez Programación y Aplicaciones para la Web</a:t>
+            </a:r>
           </a:p>
         </p:txBody>
       </p:sp>
@@ -7004,6 +6922,34 @@
           </a:p>
         </p:txBody>
       </p:sp>
+      <p:sp>
+        <p:nvSpPr>
+          <p:cNvPr id="4" name="Marcador de pie de página 3">
+            <a:extLst>
+              <a:ext uri="{FF2B5EF4-FFF2-40B4-BE49-F238E27FC236}">
+                <a16:creationId xmlns:a16="http://schemas.microsoft.com/office/drawing/2014/main" id="{37E020BF-C5CE-49C4-BC2C-51FD14FCB40D}"/>
+              </a:ext>
+            </a:extLst>
+          </p:cNvPr>
+          <p:cNvSpPr>
+            <a:spLocks noGrp="1"/>
+          </p:cNvSpPr>
+          <p:nvPr>
+            <p:ph type="ftr" sz="quarter" idx="11"/>
+          </p:nvPr>
+        </p:nvSpPr>
+        <p:spPr/>
+        <p:txBody>
+          <a:bodyPr/>
+          <a:lstStyle/>
+          <a:p>
+            <a:r>
+              <a:rPr lang="es-MX"/>
+              <a:t>Lic. José Orihuela Sánchez Programación y Aplicaciones para la Web</a:t>
+            </a:r>
+          </a:p>
+        </p:txBody>
+      </p:sp>
     </p:spTree>
     <p:extLst>
       <p:ext uri="{BB962C8B-B14F-4D97-AF65-F5344CB8AC3E}">
@@ -7086,41 +7032,13 @@
           <a:p>
             <a:r>
               <a:rPr lang="es-MX" dirty="0"/>
-              <a:t>La especificidad se puede anidar, </a:t>
-            </a:r>
-            <a:r>
-              <a:rPr lang="es-MX" dirty="0" err="1"/>
-              <a:t>permitiendonos</a:t>
-            </a:r>
-            <a:r>
-              <a:rPr lang="es-MX" dirty="0"/>
-              <a:t> modificar elementos tanto </a:t>
-            </a:r>
-            <a:r>
-              <a:rPr lang="es-MX" dirty="0" err="1"/>
-              <a:t>genericos</a:t>
-            </a:r>
-            <a:r>
-              <a:rPr lang="es-MX" dirty="0"/>
-              <a:t> como </a:t>
-            </a:r>
-            <a:r>
-              <a:rPr lang="es-MX" dirty="0" err="1"/>
-              <a:t>especificos</a:t>
-            </a:r>
-            <a:r>
-              <a:rPr lang="es-MX" dirty="0"/>
-              <a:t>.</a:t>
-            </a:r>
-          </a:p>
-          <a:p>
-            <a:r>
-              <a:rPr lang="es-MX" dirty="0" err="1"/>
-              <a:t>Podriamos</a:t>
-            </a:r>
-            <a:r>
-              <a:rPr lang="es-MX" dirty="0"/>
-              <a:t> simplemente crear una clase que nos permita cambiar el fondo de esta</a:t>
+              <a:t>La especificidad se puede anidar, permitiéndonos modificar elementos tanto genéricos como específicos.</a:t>
+            </a:r>
+          </a:p>
+          <a:p>
+            <a:r>
+              <a:rPr lang="es-MX" dirty="0"/>
+              <a:t>Podríamos simplemente crear una clase que nos permita cambiar el fondo de esta</a:t>
             </a:r>
           </a:p>
           <a:p>
@@ -7161,6 +7079,34 @@
             <a:r>
               <a:rPr lang="es-MX" dirty="0"/>
               <a:t> .red{background:FF0000}</a:t>
+            </a:r>
+          </a:p>
+        </p:txBody>
+      </p:sp>
+      <p:sp>
+        <p:nvSpPr>
+          <p:cNvPr id="4" name="Marcador de pie de página 3">
+            <a:extLst>
+              <a:ext uri="{FF2B5EF4-FFF2-40B4-BE49-F238E27FC236}">
+                <a16:creationId xmlns:a16="http://schemas.microsoft.com/office/drawing/2014/main" id="{F59D6274-58F2-469E-8730-B9FDF3CC8804}"/>
+              </a:ext>
+            </a:extLst>
+          </p:cNvPr>
+          <p:cNvSpPr>
+            <a:spLocks noGrp="1"/>
+          </p:cNvSpPr>
+          <p:nvPr>
+            <p:ph type="ftr" sz="quarter" idx="11"/>
+          </p:nvPr>
+        </p:nvSpPr>
+        <p:spPr/>
+        <p:txBody>
+          <a:bodyPr/>
+          <a:lstStyle/>
+          <a:p>
+            <a:r>
+              <a:rPr lang="es-MX"/>
+              <a:t>Lic. José Orihuela Sánchez Programación y Aplicaciones para la Web</a:t>
             </a:r>
           </a:p>
         </p:txBody>
@@ -7254,42 +7200,9 @@
           <a:lstStyle/>
           <a:p>
             <a:r>
-              <a:rPr lang="en-US" dirty="0" err="1"/>
-              <a:t>Dependiendo</a:t>
-            </a:r>
-            <a:r>
-              <a:rPr lang="en-US" dirty="0"/>
-              <a:t> de </a:t>
-            </a:r>
-            <a:r>
-              <a:rPr lang="en-US" dirty="0" err="1"/>
-              <a:t>su</a:t>
-            </a:r>
-            <a:r>
-              <a:rPr lang="en-US" dirty="0"/>
-              <a:t> </a:t>
-            </a:r>
-            <a:r>
-              <a:rPr lang="en-US" dirty="0" err="1"/>
-              <a:t>llamado</a:t>
-            </a:r>
-            <a:r>
-              <a:rPr lang="en-US" dirty="0"/>
-              <a:t> es el </a:t>
-            </a:r>
-            <a:r>
-              <a:rPr lang="en-US" dirty="0" err="1"/>
-              <a:t>tipo</a:t>
-            </a:r>
-            <a:r>
-              <a:rPr lang="en-US" dirty="0"/>
-              <a:t> de selector a </a:t>
-            </a:r>
-            <a:r>
-              <a:rPr lang="en-US" dirty="0" err="1"/>
-              <a:t>usar</a:t>
-            </a:r>
-            <a:endParaRPr lang="en-US" dirty="0"/>
+              <a:rPr lang="es-MX" dirty="0"/>
+              <a:t>Dependiendo de su llamado es el tipo de selector a usar</a:t>
+            </a:r>
           </a:p>
           <a:p>
             <a:pPr lvl="1"/>
@@ -7405,6 +7318,34 @@
           <a:p>
             <a:pPr lvl="1"/>
             <a:endParaRPr lang="es-MX" b="1" dirty="0"/>
+          </a:p>
+        </p:txBody>
+      </p:sp>
+      <p:sp>
+        <p:nvSpPr>
+          <p:cNvPr id="4" name="Marcador de pie de página 3">
+            <a:extLst>
+              <a:ext uri="{FF2B5EF4-FFF2-40B4-BE49-F238E27FC236}">
+                <a16:creationId xmlns:a16="http://schemas.microsoft.com/office/drawing/2014/main" id="{C03A2AF1-5100-45F3-A5A2-4DAD959F8D51}"/>
+              </a:ext>
+            </a:extLst>
+          </p:cNvPr>
+          <p:cNvSpPr>
+            <a:spLocks noGrp="1"/>
+          </p:cNvSpPr>
+          <p:nvPr>
+            <p:ph type="ftr" sz="quarter" idx="11"/>
+          </p:nvPr>
+        </p:nvSpPr>
+        <p:spPr/>
+        <p:txBody>
+          <a:bodyPr/>
+          <a:lstStyle/>
+          <a:p>
+            <a:r>
+              <a:rPr lang="es-MX"/>
+              <a:t>Lic. José Orihuela Sánchez Programación y Aplicaciones para la Web</a:t>
+            </a:r>
           </a:p>
         </p:txBody>
       </p:sp>
@@ -7692,6 +7633,34 @@
           </a:p>
         </p:txBody>
       </p:sp>
+      <p:sp>
+        <p:nvSpPr>
+          <p:cNvPr id="4" name="Marcador de pie de página 3">
+            <a:extLst>
+              <a:ext uri="{FF2B5EF4-FFF2-40B4-BE49-F238E27FC236}">
+                <a16:creationId xmlns:a16="http://schemas.microsoft.com/office/drawing/2014/main" id="{0B198A86-A876-4A72-A2CA-D03DF7722ACD}"/>
+              </a:ext>
+            </a:extLst>
+          </p:cNvPr>
+          <p:cNvSpPr>
+            <a:spLocks noGrp="1"/>
+          </p:cNvSpPr>
+          <p:nvPr>
+            <p:ph type="ftr" sz="quarter" idx="11"/>
+          </p:nvPr>
+        </p:nvSpPr>
+        <p:spPr/>
+        <p:txBody>
+          <a:bodyPr/>
+          <a:lstStyle/>
+          <a:p>
+            <a:r>
+              <a:rPr lang="es-MX"/>
+              <a:t>Lic. José Orihuela Sánchez Programación y Aplicaciones para la Web</a:t>
+            </a:r>
+          </a:p>
+        </p:txBody>
+      </p:sp>
     </p:spTree>
     <p:extLst>
       <p:ext uri="{BB962C8B-B14F-4D97-AF65-F5344CB8AC3E}">
@@ -7773,44 +7742,8 @@
           <a:lstStyle/>
           <a:p>
             <a:r>
-              <a:rPr lang="en-US" dirty="0" err="1"/>
-              <a:t>Todos</a:t>
-            </a:r>
-            <a:r>
-              <a:rPr lang="en-US" dirty="0"/>
-              <a:t> los </a:t>
-            </a:r>
-            <a:r>
-              <a:rPr lang="en-US" dirty="0" err="1"/>
-              <a:t>elementos</a:t>
-            </a:r>
-            <a:r>
-              <a:rPr lang="en-US" dirty="0"/>
-              <a:t> HTML se </a:t>
-            </a:r>
-            <a:r>
-              <a:rPr lang="en-US" dirty="0" err="1"/>
-              <a:t>podrian</a:t>
-            </a:r>
-            <a:r>
-              <a:rPr lang="en-US" dirty="0"/>
-              <a:t> considerer que </a:t>
-            </a:r>
-            <a:r>
-              <a:rPr lang="en-US" dirty="0" err="1"/>
-              <a:t>estan</a:t>
-            </a:r>
-            <a:r>
-              <a:rPr lang="en-US" dirty="0"/>
-              <a:t> dentro de una </a:t>
-            </a:r>
-            <a:r>
-              <a:rPr lang="en-US" dirty="0" err="1"/>
-              <a:t>caja</a:t>
-            </a:r>
-            <a:r>
-              <a:rPr lang="en-US" dirty="0"/>
-              <a:t>.</a:t>
+              <a:rPr lang="es-MX" dirty="0"/>
+              <a:t>Todos los elementos HTML se podrían considerar que están dentro de una caja.</a:t>
             </a:r>
           </a:p>
           <a:p>
@@ -7819,31 +7752,15 @@
               <a:t>El CSS </a:t>
             </a:r>
             <a:r>
-              <a:rPr lang="en-US" dirty="0" err="1"/>
-              <a:t>usa</a:t>
+              <a:rPr lang="es-MX" dirty="0"/>
+              <a:t>usa este termino </a:t>
             </a:r>
             <a:r>
               <a:rPr lang="en-US" dirty="0"/>
-              <a:t> </a:t>
-            </a:r>
-            <a:r>
-              <a:rPr lang="en-US" dirty="0" err="1"/>
-              <a:t>este</a:t>
-            </a:r>
-            <a:r>
-              <a:rPr lang="en-US" dirty="0"/>
-              <a:t> </a:t>
-            </a:r>
-            <a:r>
-              <a:rPr lang="en-US" dirty="0" err="1"/>
-              <a:t>termino</a:t>
-            </a:r>
-            <a:r>
-              <a:rPr lang="en-US" dirty="0"/>
-              <a:t> para </a:t>
-            </a:r>
-            <a:r>
-              <a:rPr lang="en-US" dirty="0" err="1"/>
+              <a:t>para </a:t>
+            </a:r>
+            <a:r>
+              <a:rPr lang="es-MX" dirty="0"/>
               <a:t>poder</a:t>
             </a:r>
             <a:r>
@@ -8114,6 +8031,34 @@
             <a:r>
               <a:rPr lang="es-MX" dirty="0"/>
               <a:t>Content</a:t>
+            </a:r>
+          </a:p>
+        </p:txBody>
+      </p:sp>
+      <p:sp>
+        <p:nvSpPr>
+          <p:cNvPr id="8" name="Marcador de pie de página 7">
+            <a:extLst>
+              <a:ext uri="{FF2B5EF4-FFF2-40B4-BE49-F238E27FC236}">
+                <a16:creationId xmlns:a16="http://schemas.microsoft.com/office/drawing/2014/main" id="{1052F277-A1A0-4F7D-91BE-69DE66C5D65B}"/>
+              </a:ext>
+            </a:extLst>
+          </p:cNvPr>
+          <p:cNvSpPr>
+            <a:spLocks noGrp="1"/>
+          </p:cNvSpPr>
+          <p:nvPr>
+            <p:ph type="ftr" sz="quarter" idx="11"/>
+          </p:nvPr>
+        </p:nvSpPr>
+        <p:spPr/>
+        <p:txBody>
+          <a:bodyPr/>
+          <a:lstStyle/>
+          <a:p>
+            <a:r>
+              <a:rPr lang="es-MX"/>
+              <a:t>Lic. José Orihuela Sánchez Programación y Aplicaciones para la Web</a:t>
             </a:r>
           </a:p>
         </p:txBody>
@@ -8223,15 +8168,7 @@
             </a:r>
             <a:r>
               <a:rPr lang="es-MX" dirty="0"/>
-              <a:t>o en línea, no </a:t>
-            </a:r>
-            <a:r>
-              <a:rPr lang="es-MX" dirty="0" err="1"/>
-              <a:t>empeizan</a:t>
-            </a:r>
-            <a:r>
-              <a:rPr lang="es-MX" dirty="0"/>
-              <a:t> una nueva línea o renglón y solo ocupan el espacio designado para estos</a:t>
+              <a:t>o en línea, no empiezan una nueva línea o renglón y solo ocupan el espacio designado para estos</a:t>
             </a:r>
           </a:p>
           <a:p>
@@ -8248,6 +8185,34 @@
               <a:t>no agrega una nueva línea después del elemento</a:t>
             </a:r>
             <a:endParaRPr lang="es-MX" b="1" dirty="0"/>
+          </a:p>
+        </p:txBody>
+      </p:sp>
+      <p:sp>
+        <p:nvSpPr>
+          <p:cNvPr id="4" name="Marcador de pie de página 3">
+            <a:extLst>
+              <a:ext uri="{FF2B5EF4-FFF2-40B4-BE49-F238E27FC236}">
+                <a16:creationId xmlns:a16="http://schemas.microsoft.com/office/drawing/2014/main" id="{202F0C50-39F3-495D-9206-C834C3E50A22}"/>
+              </a:ext>
+            </a:extLst>
+          </p:cNvPr>
+          <p:cNvSpPr>
+            <a:spLocks noGrp="1"/>
+          </p:cNvSpPr>
+          <p:nvPr>
+            <p:ph type="ftr" sz="quarter" idx="11"/>
+          </p:nvPr>
+        </p:nvSpPr>
+        <p:spPr/>
+        <p:txBody>
+          <a:bodyPr/>
+          <a:lstStyle/>
+          <a:p>
+            <a:r>
+              <a:rPr lang="es-MX"/>
+              <a:t>Lic. José Orihuela Sánchez Programación y Aplicaciones para la Web</a:t>
+            </a:r>
           </a:p>
         </p:txBody>
       </p:sp>
@@ -8493,6 +8458,34 @@
           </a:p>
         </p:txBody>
       </p:sp>
+      <p:sp>
+        <p:nvSpPr>
+          <p:cNvPr id="4" name="Marcador de pie de página 3">
+            <a:extLst>
+              <a:ext uri="{FF2B5EF4-FFF2-40B4-BE49-F238E27FC236}">
+                <a16:creationId xmlns:a16="http://schemas.microsoft.com/office/drawing/2014/main" id="{8B1AFE8B-BC95-4EB1-9CFE-AA088B16EB00}"/>
+              </a:ext>
+            </a:extLst>
+          </p:cNvPr>
+          <p:cNvSpPr>
+            <a:spLocks noGrp="1"/>
+          </p:cNvSpPr>
+          <p:nvPr>
+            <p:ph type="ftr" sz="quarter" idx="11"/>
+          </p:nvPr>
+        </p:nvSpPr>
+        <p:spPr/>
+        <p:txBody>
+          <a:bodyPr/>
+          <a:lstStyle/>
+          <a:p>
+            <a:r>
+              <a:rPr lang="es-MX"/>
+              <a:t>Lic. José Orihuela Sánchez Programación y Aplicaciones para la Web</a:t>
+            </a:r>
+          </a:p>
+        </p:txBody>
+      </p:sp>
     </p:spTree>
     <p:extLst>
       <p:ext uri="{BB962C8B-B14F-4D97-AF65-F5344CB8AC3E}">
@@ -8579,6 +8572,34 @@
           </a:p>
         </p:txBody>
       </p:sp>
+      <p:sp>
+        <p:nvSpPr>
+          <p:cNvPr id="4" name="Marcador de pie de página 3">
+            <a:extLst>
+              <a:ext uri="{FF2B5EF4-FFF2-40B4-BE49-F238E27FC236}">
+                <a16:creationId xmlns:a16="http://schemas.microsoft.com/office/drawing/2014/main" id="{BB9C3244-2A9E-4E21-9DC7-06A1AED2831D}"/>
+              </a:ext>
+            </a:extLst>
+          </p:cNvPr>
+          <p:cNvSpPr>
+            <a:spLocks noGrp="1"/>
+          </p:cNvSpPr>
+          <p:nvPr>
+            <p:ph type="ftr" sz="quarter" idx="11"/>
+          </p:nvPr>
+        </p:nvSpPr>
+        <p:spPr/>
+        <p:txBody>
+          <a:bodyPr/>
+          <a:lstStyle/>
+          <a:p>
+            <a:r>
+              <a:rPr lang="es-MX"/>
+              <a:t>Lic. José Orihuela Sánchez Programación y Aplicaciones para la Web</a:t>
+            </a:r>
+          </a:p>
+        </p:txBody>
+      </p:sp>
     </p:spTree>
     <p:extLst>
       <p:ext uri="{BB962C8B-B14F-4D97-AF65-F5344CB8AC3E}">
@@ -8716,6 +8737,34 @@
           </a:p>
         </p:txBody>
       </p:sp>
+      <p:sp>
+        <p:nvSpPr>
+          <p:cNvPr id="4" name="Marcador de pie de página 3">
+            <a:extLst>
+              <a:ext uri="{FF2B5EF4-FFF2-40B4-BE49-F238E27FC236}">
+                <a16:creationId xmlns:a16="http://schemas.microsoft.com/office/drawing/2014/main" id="{8A94D1D1-3A30-4D35-83EF-A217DA1D73F2}"/>
+              </a:ext>
+            </a:extLst>
+          </p:cNvPr>
+          <p:cNvSpPr>
+            <a:spLocks noGrp="1"/>
+          </p:cNvSpPr>
+          <p:nvPr>
+            <p:ph type="ftr" sz="quarter" idx="11"/>
+          </p:nvPr>
+        </p:nvSpPr>
+        <p:spPr/>
+        <p:txBody>
+          <a:bodyPr/>
+          <a:lstStyle/>
+          <a:p>
+            <a:r>
+              <a:rPr lang="es-MX"/>
+              <a:t>Lic. José Orihuela Sánchez Programación y Aplicaciones para la Web</a:t>
+            </a:r>
+          </a:p>
+        </p:txBody>
+      </p:sp>
     </p:spTree>
     <p:extLst>
       <p:ext uri="{BB962C8B-B14F-4D97-AF65-F5344CB8AC3E}">
@@ -8981,6 +9030,34 @@
           </a:p>
         </p:txBody>
       </p:sp>
+      <p:sp>
+        <p:nvSpPr>
+          <p:cNvPr id="4" name="Marcador de pie de página 3">
+            <a:extLst>
+              <a:ext uri="{FF2B5EF4-FFF2-40B4-BE49-F238E27FC236}">
+                <a16:creationId xmlns:a16="http://schemas.microsoft.com/office/drawing/2014/main" id="{EB2F3963-D84A-4001-927C-1BD568CDFEE1}"/>
+              </a:ext>
+            </a:extLst>
+          </p:cNvPr>
+          <p:cNvSpPr>
+            <a:spLocks noGrp="1"/>
+          </p:cNvSpPr>
+          <p:nvPr>
+            <p:ph type="ftr" sz="quarter" idx="11"/>
+          </p:nvPr>
+        </p:nvSpPr>
+        <p:spPr/>
+        <p:txBody>
+          <a:bodyPr/>
+          <a:lstStyle/>
+          <a:p>
+            <a:r>
+              <a:rPr lang="es-MX"/>
+              <a:t>Lic. José Orihuela Sánchez Programación y Aplicaciones para la Web</a:t>
+            </a:r>
+          </a:p>
+        </p:txBody>
+      </p:sp>
     </p:spTree>
     <p:extLst>
       <p:ext uri="{BB962C8B-B14F-4D97-AF65-F5344CB8AC3E}">
@@ -9033,10 +9110,9 @@
           <a:lstStyle/>
           <a:p>
             <a:r>
-              <a:rPr lang="en-US" dirty="0" err="1"/>
+              <a:rPr lang="es-MX" dirty="0"/>
               <a:t>Elementos</a:t>
             </a:r>
-            <a:endParaRPr lang="es-MX" dirty="0"/>
           </a:p>
         </p:txBody>
       </p:sp>
@@ -9062,405 +9138,123 @@
           <a:lstStyle/>
           <a:p>
             <a:r>
-              <a:rPr lang="en-US" dirty="0"/>
-              <a:t>Tal </a:t>
-            </a:r>
-            <a:r>
-              <a:rPr lang="en-US" dirty="0" err="1"/>
-              <a:t>como</a:t>
-            </a:r>
-            <a:r>
-              <a:rPr lang="en-US" dirty="0"/>
+              <a:rPr lang="es-MX" dirty="0"/>
+              <a:t>Tal como su nombre lo menciona este lenguaje trabaja por medio de etiquetas que son conocidos como </a:t>
+            </a:r>
+            <a:r>
+              <a:rPr lang="es-MX" b="1" i="1" dirty="0"/>
+              <a:t>“</a:t>
+            </a:r>
+            <a:r>
+              <a:rPr lang="es-MX" b="1" i="1" dirty="0" err="1"/>
+              <a:t>elements</a:t>
+            </a:r>
+            <a:r>
+              <a:rPr lang="es-MX" b="1" i="1" dirty="0"/>
+              <a:t>”</a:t>
+            </a:r>
+            <a:r>
+              <a:rPr lang="es-MX" dirty="0"/>
+              <a:t> o elementos.</a:t>
+            </a:r>
+          </a:p>
+          <a:p>
+            <a:r>
+              <a:rPr lang="es-MX" dirty="0"/>
+              <a:t>Los elementos. pueden ser anidados.</a:t>
+            </a:r>
+          </a:p>
+          <a:p>
+            <a:r>
+              <a:rPr lang="es-MX" dirty="0"/>
+              <a:t>Estos pueden llegar a tener sus propios atributos.</a:t>
+            </a:r>
+          </a:p>
+          <a:p>
+            <a:r>
+              <a:rPr lang="es-MX" dirty="0"/>
+              <a:t>La </a:t>
+            </a:r>
+            <a:r>
+              <a:rPr lang="es-MX" dirty="0" err="1"/>
+              <a:t>mayoria</a:t>
+            </a:r>
+            <a:r>
+              <a:rPr lang="es-MX" dirty="0"/>
+              <a:t> de estos funcionaran por medio de una etiqueta de apertura y una de clausura.</a:t>
+            </a:r>
+          </a:p>
+          <a:p>
+            <a:r>
+              <a:rPr lang="es-MX" dirty="0"/>
+              <a:t>Existen casos de elementos que se consideran como “</a:t>
+            </a:r>
+            <a:r>
+              <a:rPr lang="es-MX" dirty="0" err="1"/>
+              <a:t>empty</a:t>
+            </a:r>
+            <a:r>
+              <a:rPr lang="es-MX" dirty="0"/>
               <a:t> </a:t>
             </a:r>
             <a:r>
-              <a:rPr lang="en-US" dirty="0" err="1"/>
-              <a:t>su</a:t>
-            </a:r>
-            <a:r>
-              <a:rPr lang="en-US" dirty="0"/>
+              <a:rPr lang="es-MX" dirty="0" err="1"/>
+              <a:t>element</a:t>
+            </a:r>
+            <a:r>
+              <a:rPr lang="es-MX" dirty="0"/>
+              <a:t>” o </a:t>
+            </a:r>
+            <a:r>
+              <a:rPr lang="es-MX" dirty="0" err="1"/>
+              <a:t>element</a:t>
+            </a:r>
+            <a:r>
+              <a:rPr lang="es-MX" dirty="0"/>
               <a:t> </a:t>
             </a:r>
             <a:r>
-              <a:rPr lang="en-US" dirty="0" err="1"/>
-              <a:t>nombre</a:t>
-            </a:r>
-            <a:r>
-              <a:rPr lang="en-US" dirty="0"/>
-              <a:t> lo </a:t>
-            </a:r>
-            <a:r>
-              <a:rPr lang="en-US" dirty="0" err="1"/>
-              <a:t>menciona</a:t>
-            </a:r>
-            <a:r>
-              <a:rPr lang="en-US" dirty="0"/>
-              <a:t> </a:t>
-            </a:r>
-            <a:r>
-              <a:rPr lang="en-US" dirty="0" err="1"/>
-              <a:t>este</a:t>
-            </a:r>
-            <a:r>
-              <a:rPr lang="en-US" dirty="0"/>
-              <a:t> </a:t>
-            </a:r>
-            <a:r>
-              <a:rPr lang="en-US" dirty="0" err="1"/>
-              <a:t>lenguaje</a:t>
-            </a:r>
-            <a:r>
-              <a:rPr lang="en-US" dirty="0"/>
-              <a:t> </a:t>
-            </a:r>
-            <a:r>
-              <a:rPr lang="en-US" dirty="0" err="1"/>
-              <a:t>trabaja</a:t>
-            </a:r>
-            <a:r>
-              <a:rPr lang="en-US" dirty="0"/>
-              <a:t> por medio de </a:t>
-            </a:r>
-            <a:r>
-              <a:rPr lang="en-US" dirty="0" err="1"/>
-              <a:t>etiquetas</a:t>
-            </a:r>
-            <a:r>
-              <a:rPr lang="en-US" dirty="0"/>
-              <a:t> que son </a:t>
-            </a:r>
-            <a:r>
-              <a:rPr lang="en-US" dirty="0" err="1"/>
-              <a:t>conocidos</a:t>
-            </a:r>
-            <a:r>
-              <a:rPr lang="en-US" dirty="0"/>
-              <a:t> </a:t>
-            </a:r>
-            <a:r>
-              <a:rPr lang="en-US" dirty="0" err="1"/>
-              <a:t>como</a:t>
-            </a:r>
-            <a:r>
-              <a:rPr lang="en-US" dirty="0"/>
-              <a:t> </a:t>
-            </a:r>
-            <a:r>
-              <a:rPr lang="en-US" b="1" i="1" dirty="0"/>
-              <a:t>“elements”</a:t>
-            </a:r>
-            <a:r>
-              <a:rPr lang="en-US" dirty="0"/>
-              <a:t> o </a:t>
-            </a:r>
-            <a:r>
-              <a:rPr lang="en-US" dirty="0" err="1"/>
-              <a:t>elementos</a:t>
-            </a:r>
-            <a:r>
-              <a:rPr lang="en-US" dirty="0"/>
-              <a:t>.</a:t>
-            </a:r>
-          </a:p>
-          <a:p>
-            <a:r>
-              <a:rPr lang="en-US" dirty="0"/>
-              <a:t>Los </a:t>
-            </a:r>
-            <a:r>
-              <a:rPr lang="en-US" dirty="0" err="1"/>
-              <a:t>elementos</a:t>
-            </a:r>
-            <a:r>
-              <a:rPr lang="en-US" dirty="0"/>
-              <a:t>. </a:t>
-            </a:r>
-            <a:r>
-              <a:rPr lang="en-US" dirty="0" err="1"/>
-              <a:t>pueden</a:t>
-            </a:r>
-            <a:r>
-              <a:rPr lang="en-US" dirty="0"/>
-              <a:t> ser </a:t>
-            </a:r>
-            <a:r>
-              <a:rPr lang="en-US" dirty="0" err="1"/>
-              <a:t>anidados</a:t>
-            </a:r>
-            <a:r>
-              <a:rPr lang="en-US" dirty="0"/>
-              <a:t>.</a:t>
-            </a:r>
-          </a:p>
-          <a:p>
-            <a:r>
-              <a:rPr lang="en-US" dirty="0" err="1"/>
-              <a:t>Estos</a:t>
-            </a:r>
-            <a:r>
-              <a:rPr lang="en-US" dirty="0"/>
-              <a:t> </a:t>
-            </a:r>
-            <a:r>
-              <a:rPr lang="en-US" dirty="0" err="1"/>
-              <a:t>pueden</a:t>
-            </a:r>
-            <a:r>
-              <a:rPr lang="en-US" dirty="0"/>
-              <a:t> </a:t>
-            </a:r>
-            <a:r>
-              <a:rPr lang="en-US" dirty="0" err="1"/>
-              <a:t>llegar</a:t>
-            </a:r>
-            <a:r>
-              <a:rPr lang="en-US" dirty="0"/>
-              <a:t> a </a:t>
-            </a:r>
-            <a:r>
-              <a:rPr lang="en-US" dirty="0" err="1"/>
-              <a:t>tener</a:t>
-            </a:r>
-            <a:r>
-              <a:rPr lang="en-US" dirty="0"/>
-              <a:t> sus </a:t>
-            </a:r>
-            <a:r>
-              <a:rPr lang="en-US" dirty="0" err="1"/>
-              <a:t>propios</a:t>
-            </a:r>
-            <a:r>
-              <a:rPr lang="en-US" dirty="0"/>
-              <a:t> </a:t>
-            </a:r>
-            <a:r>
-              <a:rPr lang="en-US" dirty="0" err="1"/>
-              <a:t>atributos</a:t>
-            </a:r>
-            <a:r>
-              <a:rPr lang="en-US" dirty="0"/>
-              <a:t>.</a:t>
-            </a:r>
-          </a:p>
-          <a:p>
-            <a:r>
-              <a:rPr lang="en-US" dirty="0"/>
-              <a:t>La </a:t>
-            </a:r>
-            <a:r>
-              <a:rPr lang="en-US" dirty="0" err="1"/>
-              <a:t>mayoria</a:t>
-            </a:r>
-            <a:r>
-              <a:rPr lang="en-US" dirty="0"/>
-              <a:t> de </a:t>
-            </a:r>
-            <a:r>
-              <a:rPr lang="en-US" dirty="0" err="1"/>
-              <a:t>estos</a:t>
-            </a:r>
-            <a:r>
-              <a:rPr lang="en-US" dirty="0"/>
-              <a:t> </a:t>
-            </a:r>
-            <a:r>
-              <a:rPr lang="en-US" dirty="0" err="1"/>
-              <a:t>funcionaran</a:t>
-            </a:r>
-            <a:r>
-              <a:rPr lang="en-US" dirty="0"/>
-              <a:t> por medio de una </a:t>
-            </a:r>
-            <a:r>
-              <a:rPr lang="en-US" dirty="0" err="1"/>
-              <a:t>etiqueta</a:t>
-            </a:r>
-            <a:r>
-              <a:rPr lang="en-US" dirty="0"/>
-              <a:t> de </a:t>
-            </a:r>
-            <a:r>
-              <a:rPr lang="en-US" dirty="0" err="1"/>
-              <a:t>apertura</a:t>
-            </a:r>
-            <a:r>
-              <a:rPr lang="en-US" dirty="0"/>
-              <a:t> y una de </a:t>
-            </a:r>
-            <a:r>
-              <a:rPr lang="en-US" dirty="0" err="1"/>
-              <a:t>clausura</a:t>
-            </a:r>
-            <a:r>
-              <a:rPr lang="en-US" dirty="0"/>
-              <a:t>.</a:t>
-            </a:r>
-          </a:p>
-          <a:p>
-            <a:r>
-              <a:rPr lang="en-US" dirty="0" err="1"/>
-              <a:t>Existen</a:t>
-            </a:r>
-            <a:r>
-              <a:rPr lang="en-US" dirty="0"/>
-              <a:t> </a:t>
-            </a:r>
-            <a:r>
-              <a:rPr lang="en-US" dirty="0" err="1"/>
-              <a:t>casos</a:t>
-            </a:r>
-            <a:r>
-              <a:rPr lang="en-US" dirty="0"/>
-              <a:t> de </a:t>
-            </a:r>
-            <a:r>
-              <a:rPr lang="en-US" dirty="0" err="1"/>
-              <a:t>elementos</a:t>
-            </a:r>
-            <a:r>
-              <a:rPr lang="en-US" dirty="0"/>
-              <a:t> que se </a:t>
-            </a:r>
-            <a:r>
-              <a:rPr lang="en-US" dirty="0" err="1"/>
-              <a:t>consideran</a:t>
-            </a:r>
-            <a:r>
-              <a:rPr lang="en-US" dirty="0"/>
-              <a:t> </a:t>
-            </a:r>
-            <a:r>
-              <a:rPr lang="en-US" dirty="0" err="1"/>
-              <a:t>como</a:t>
-            </a:r>
-            <a:r>
-              <a:rPr lang="en-US" dirty="0"/>
-              <a:t> “empty element” o element </a:t>
-            </a:r>
-            <a:r>
-              <a:rPr lang="en-US" dirty="0" err="1"/>
+              <a:rPr lang="es-MX" dirty="0" err="1"/>
               <a:t>vacio</a:t>
             </a:r>
             <a:r>
-              <a:rPr lang="en-US" dirty="0"/>
-              <a:t>, son </a:t>
-            </a:r>
-            <a:r>
-              <a:rPr lang="en-US" dirty="0" err="1"/>
-              <a:t>aquellas</a:t>
-            </a:r>
-            <a:r>
-              <a:rPr lang="en-US" dirty="0"/>
-              <a:t> que no </a:t>
-            </a:r>
-            <a:r>
-              <a:rPr lang="en-US" dirty="0" err="1"/>
-              <a:t>requieren</a:t>
-            </a:r>
-            <a:r>
-              <a:rPr lang="en-US" dirty="0"/>
-              <a:t> de una </a:t>
-            </a:r>
-            <a:r>
-              <a:rPr lang="en-US" dirty="0" err="1"/>
-              <a:t>etiqueta</a:t>
-            </a:r>
-            <a:r>
-              <a:rPr lang="en-US" dirty="0"/>
-              <a:t> de </a:t>
-            </a:r>
-            <a:r>
-              <a:rPr lang="en-US" dirty="0" err="1"/>
-              <a:t>clausura</a:t>
-            </a:r>
-            <a:endParaRPr lang="en-US" dirty="0"/>
-          </a:p>
-          <a:p>
-            <a:r>
-              <a:rPr lang="en-US" dirty="0"/>
-              <a:t>Las </a:t>
-            </a:r>
-            <a:r>
-              <a:rPr lang="en-US" dirty="0" err="1"/>
-              <a:t>etiquetas</a:t>
-            </a:r>
-            <a:r>
-              <a:rPr lang="en-US" dirty="0"/>
-              <a:t> no </a:t>
-            </a:r>
-            <a:r>
-              <a:rPr lang="en-US" dirty="0" err="1"/>
-              <a:t>distinguen</a:t>
-            </a:r>
-            <a:r>
-              <a:rPr lang="en-US" dirty="0"/>
-              <a:t> entre </a:t>
-            </a:r>
-            <a:r>
-              <a:rPr lang="en-US" dirty="0" err="1"/>
-              <a:t>mayusculas</a:t>
-            </a:r>
-            <a:r>
-              <a:rPr lang="en-US" dirty="0"/>
-              <a:t> y </a:t>
-            </a:r>
-            <a:r>
-              <a:rPr lang="en-US" dirty="0" err="1"/>
-              <a:t>minusculas</a:t>
-            </a:r>
-            <a:r>
-              <a:rPr lang="en-US" dirty="0"/>
-              <a:t>. Y el standard actual no require de </a:t>
-            </a:r>
-            <a:r>
-              <a:rPr lang="en-US" dirty="0" err="1"/>
-              <a:t>minusculas</a:t>
-            </a:r>
-            <a:r>
-              <a:rPr lang="en-US" dirty="0"/>
-              <a:t>, </a:t>
-            </a:r>
-            <a:r>
-              <a:rPr lang="en-US" dirty="0" err="1"/>
-              <a:t>pero</a:t>
-            </a:r>
-            <a:r>
-              <a:rPr lang="en-US" dirty="0"/>
-              <a:t> se </a:t>
-            </a:r>
-            <a:r>
-              <a:rPr lang="en-US" dirty="0" err="1"/>
-              <a:t>recomienda</a:t>
-            </a:r>
-            <a:r>
-              <a:rPr lang="en-US" dirty="0"/>
-              <a:t> </a:t>
-            </a:r>
-            <a:r>
-              <a:rPr lang="en-US" dirty="0" err="1"/>
-              <a:t>siempre</a:t>
-            </a:r>
-            <a:r>
-              <a:rPr lang="en-US" dirty="0"/>
-              <a:t> </a:t>
-            </a:r>
-            <a:r>
-              <a:rPr lang="en-US" dirty="0" err="1"/>
-              <a:t>usar</a:t>
-            </a:r>
-            <a:r>
-              <a:rPr lang="en-US" dirty="0"/>
-              <a:t> </a:t>
-            </a:r>
-            <a:r>
-              <a:rPr lang="en-US" dirty="0" err="1"/>
-              <a:t>minuculas</a:t>
-            </a:r>
-            <a:r>
-              <a:rPr lang="en-US" dirty="0"/>
-              <a:t>.</a:t>
-            </a:r>
-            <a:endParaRPr lang="es-MX" dirty="0"/>
+              <a:rPr lang="es-MX" dirty="0"/>
+              <a:t>, son aquellas que no requieren de una etiqueta de clausura</a:t>
+            </a:r>
+          </a:p>
+          <a:p>
+            <a:r>
+              <a:rPr lang="es-MX" dirty="0"/>
+              <a:t>Las etiquetas no distinguen entre mayúsculas y minúsculas. Y el standard actual no requiere de minúsculas, pero se recomienda siempre usar minúsculas.</a:t>
+            </a:r>
+          </a:p>
+        </p:txBody>
+      </p:sp>
+      <p:sp>
+        <p:nvSpPr>
+          <p:cNvPr id="4" name="Marcador de pie de página 3">
+            <a:extLst>
+              <a:ext uri="{FF2B5EF4-FFF2-40B4-BE49-F238E27FC236}">
+                <a16:creationId xmlns:a16="http://schemas.microsoft.com/office/drawing/2014/main" id="{580259A6-BAF7-447D-9D86-09ADA36AEF78}"/>
+              </a:ext>
+            </a:extLst>
+          </p:cNvPr>
+          <p:cNvSpPr>
+            <a:spLocks noGrp="1"/>
+          </p:cNvSpPr>
+          <p:nvPr>
+            <p:ph type="ftr" sz="quarter" idx="11"/>
+          </p:nvPr>
+        </p:nvSpPr>
+        <p:spPr/>
+        <p:txBody>
+          <a:bodyPr/>
+          <a:lstStyle/>
+          <a:p>
+            <a:r>
+              <a:rPr lang="es-MX"/>
+              <a:t>Lic. José Orihuela Sánchez Programación y Aplicaciones para la Web</a:t>
+            </a:r>
           </a:p>
         </p:txBody>
       </p:sp>
@@ -9623,6 +9417,34 @@
           </a:p>
         </p:txBody>
       </p:sp>
+      <p:sp>
+        <p:nvSpPr>
+          <p:cNvPr id="4" name="Marcador de pie de página 3">
+            <a:extLst>
+              <a:ext uri="{FF2B5EF4-FFF2-40B4-BE49-F238E27FC236}">
+                <a16:creationId xmlns:a16="http://schemas.microsoft.com/office/drawing/2014/main" id="{AE63E539-CFF5-4A70-86EC-A8773B56E870}"/>
+              </a:ext>
+            </a:extLst>
+          </p:cNvPr>
+          <p:cNvSpPr>
+            <a:spLocks noGrp="1"/>
+          </p:cNvSpPr>
+          <p:nvPr>
+            <p:ph type="ftr" sz="quarter" idx="11"/>
+          </p:nvPr>
+        </p:nvSpPr>
+        <p:spPr/>
+        <p:txBody>
+          <a:bodyPr/>
+          <a:lstStyle/>
+          <a:p>
+            <a:r>
+              <a:rPr lang="es-MX"/>
+              <a:t>Lic. José Orihuela Sánchez Programación y Aplicaciones para la Web</a:t>
+            </a:r>
+          </a:p>
+        </p:txBody>
+      </p:sp>
     </p:spTree>
     <p:extLst>
       <p:ext uri="{BB962C8B-B14F-4D97-AF65-F5344CB8AC3E}">
@@ -9675,18 +9497,9 @@
           <a:lstStyle/>
           <a:p>
             <a:r>
-              <a:rPr lang="en-US" dirty="0" err="1"/>
-              <a:t>Etiquetas</a:t>
-            </a:r>
-            <a:r>
-              <a:rPr lang="en-US" dirty="0"/>
-              <a:t> de </a:t>
-            </a:r>
-            <a:r>
-              <a:rPr lang="en-US" dirty="0" err="1"/>
-              <a:t>contenido</a:t>
-            </a:r>
-            <a:endParaRPr lang="es-MX" dirty="0"/>
+              <a:rPr lang="es-MX" dirty="0"/>
+              <a:t>Etiquetas de contenido</a:t>
+            </a:r>
           </a:p>
         </p:txBody>
       </p:sp>
@@ -9712,100 +9525,8 @@
           <a:lstStyle/>
           <a:p>
             <a:r>
-              <a:rPr lang="en-US" dirty="0" err="1"/>
-              <a:t>Aunque</a:t>
-            </a:r>
-            <a:r>
-              <a:rPr lang="en-US" dirty="0"/>
-              <a:t> </a:t>
-            </a:r>
-            <a:r>
-              <a:rPr lang="en-US" dirty="0" err="1"/>
-              <a:t>existen</a:t>
-            </a:r>
-            <a:r>
-              <a:rPr lang="en-US" dirty="0"/>
-              <a:t> una gran </a:t>
-            </a:r>
-            <a:r>
-              <a:rPr lang="en-US" dirty="0" err="1"/>
-              <a:t>cantidad</a:t>
-            </a:r>
-            <a:r>
-              <a:rPr lang="en-US" dirty="0"/>
-              <a:t> de </a:t>
-            </a:r>
-            <a:r>
-              <a:rPr lang="en-US" dirty="0" err="1"/>
-              <a:t>etiquetas</a:t>
-            </a:r>
-            <a:r>
-              <a:rPr lang="en-US" dirty="0"/>
-              <a:t> </a:t>
-            </a:r>
-            <a:r>
-              <a:rPr lang="en-US" dirty="0" err="1"/>
-              <a:t>existen</a:t>
-            </a:r>
-            <a:r>
-              <a:rPr lang="en-US" dirty="0"/>
-              <a:t> </a:t>
-            </a:r>
-            <a:r>
-              <a:rPr lang="en-US" dirty="0" err="1"/>
-              <a:t>algunas</a:t>
-            </a:r>
-            <a:r>
-              <a:rPr lang="en-US" dirty="0"/>
-              <a:t> que son </a:t>
-            </a:r>
-            <a:r>
-              <a:rPr lang="en-US" dirty="0" err="1"/>
-              <a:t>principalmente</a:t>
-            </a:r>
-            <a:r>
-              <a:rPr lang="en-US" dirty="0"/>
-              <a:t> para la gestion del </a:t>
-            </a:r>
-            <a:r>
-              <a:rPr lang="en-US" dirty="0" err="1"/>
-              <a:t>contenido</a:t>
-            </a:r>
-            <a:r>
-              <a:rPr lang="en-US" dirty="0"/>
-              <a:t>, para </a:t>
-            </a:r>
-            <a:r>
-              <a:rPr lang="en-US" dirty="0" err="1"/>
-              <a:t>principalmente</a:t>
-            </a:r>
-            <a:r>
-              <a:rPr lang="en-US" dirty="0"/>
-              <a:t> </a:t>
-            </a:r>
-            <a:r>
-              <a:rPr lang="en-US" dirty="0" err="1"/>
-              <a:t>agruparlo</a:t>
-            </a:r>
-            <a:r>
-              <a:rPr lang="en-US" dirty="0"/>
-              <a:t> </a:t>
-            </a:r>
-            <a:r>
-              <a:rPr lang="en-US" dirty="0" err="1"/>
-              <a:t>en</a:t>
-            </a:r>
-            <a:r>
-              <a:rPr lang="en-US" dirty="0"/>
-              <a:t> </a:t>
-            </a:r>
-            <a:r>
-              <a:rPr lang="en-US" dirty="0" err="1"/>
-              <a:t>secciones</a:t>
-            </a:r>
-            <a:r>
-              <a:rPr lang="en-US" dirty="0"/>
-              <a:t>.</a:t>
+              <a:rPr lang="es-MX" dirty="0"/>
+              <a:t>Aunque existen una gran cantidad de etiquetas existen algunas que son principalmente para la gestión del contenido, para principalmente agruparlo en secciones.</a:t>
             </a:r>
           </a:p>
           <a:p>
@@ -9944,6 +9665,34 @@
             <a:r>
               <a:rPr lang="es-MX" dirty="0"/>
               <a:t>para el autor del documento</a:t>
+            </a:r>
+          </a:p>
+        </p:txBody>
+      </p:sp>
+      <p:sp>
+        <p:nvSpPr>
+          <p:cNvPr id="4" name="Marcador de pie de página 3">
+            <a:extLst>
+              <a:ext uri="{FF2B5EF4-FFF2-40B4-BE49-F238E27FC236}">
+                <a16:creationId xmlns:a16="http://schemas.microsoft.com/office/drawing/2014/main" id="{3631A46F-DA0A-4416-8683-5BB3ED5766B4}"/>
+              </a:ext>
+            </a:extLst>
+          </p:cNvPr>
+          <p:cNvSpPr>
+            <a:spLocks noGrp="1"/>
+          </p:cNvSpPr>
+          <p:nvPr>
+            <p:ph type="ftr" sz="quarter" idx="11"/>
+          </p:nvPr>
+        </p:nvSpPr>
+        <p:spPr/>
+        <p:txBody>
+          <a:bodyPr/>
+          <a:lstStyle/>
+          <a:p>
+            <a:r>
+              <a:rPr lang="es-MX"/>
+              <a:t>Lic. José Orihuela Sánchez Programación y Aplicaciones para la Web</a:t>
             </a:r>
           </a:p>
         </p:txBody>
@@ -10000,18 +9749,9 @@
           <a:lstStyle/>
           <a:p>
             <a:r>
-              <a:rPr lang="en-US" dirty="0" err="1"/>
-              <a:t>estructuras</a:t>
-            </a:r>
-            <a:r>
-              <a:rPr lang="en-US" dirty="0"/>
-              <a:t> de </a:t>
-            </a:r>
-            <a:r>
-              <a:rPr lang="en-US" dirty="0" err="1"/>
-              <a:t>texto</a:t>
-            </a:r>
-            <a:endParaRPr lang="es-MX" dirty="0"/>
+              <a:rPr lang="es-MX" dirty="0"/>
+              <a:t>estructuras de texto</a:t>
+            </a:r>
           </a:p>
         </p:txBody>
       </p:sp>
@@ -10037,134 +9777,22 @@
           <a:lstStyle/>
           <a:p>
             <a:r>
-              <a:rPr lang="en-US" dirty="0"/>
-              <a:t>Para </a:t>
-            </a:r>
-            <a:r>
-              <a:rPr lang="en-US" dirty="0" err="1"/>
-              <a:t>poder</a:t>
-            </a:r>
-            <a:r>
-              <a:rPr lang="en-US" dirty="0"/>
-              <a:t> </a:t>
-            </a:r>
-            <a:r>
-              <a:rPr lang="en-US" dirty="0" err="1"/>
-              <a:t>generar</a:t>
-            </a:r>
-            <a:r>
-              <a:rPr lang="en-US" dirty="0"/>
-              <a:t> </a:t>
-            </a:r>
-            <a:r>
-              <a:rPr lang="en-US" dirty="0" err="1"/>
-              <a:t>texto</a:t>
-            </a:r>
-            <a:r>
-              <a:rPr lang="en-US" dirty="0"/>
-              <a:t> de </a:t>
-            </a:r>
-            <a:r>
-              <a:rPr lang="en-US" dirty="0" err="1"/>
-              <a:t>manera</a:t>
-            </a:r>
-            <a:r>
-              <a:rPr lang="en-US" dirty="0"/>
-              <a:t> </a:t>
-            </a:r>
-            <a:r>
-              <a:rPr lang="en-US" dirty="0" err="1"/>
-              <a:t>organizada</a:t>
-            </a:r>
-            <a:r>
-              <a:rPr lang="en-US" dirty="0"/>
-              <a:t> </a:t>
-            </a:r>
-            <a:r>
-              <a:rPr lang="en-US" dirty="0" err="1"/>
-              <a:t>igualmente</a:t>
-            </a:r>
-            <a:r>
-              <a:rPr lang="en-US" dirty="0"/>
-              <a:t> </a:t>
-            </a:r>
-            <a:r>
-              <a:rPr lang="en-US" dirty="0" err="1"/>
-              <a:t>existen</a:t>
-            </a:r>
-            <a:r>
-              <a:rPr lang="en-US" dirty="0"/>
-              <a:t> </a:t>
-            </a:r>
-            <a:r>
-              <a:rPr lang="en-US" dirty="0" err="1"/>
-              <a:t>ciertos</a:t>
-            </a:r>
-            <a:r>
-              <a:rPr lang="en-US" dirty="0"/>
-              <a:t> </a:t>
-            </a:r>
-            <a:r>
-              <a:rPr lang="en-US" dirty="0" err="1"/>
-              <a:t>elementos</a:t>
-            </a:r>
-            <a:r>
-              <a:rPr lang="en-US" dirty="0"/>
-              <a:t> que </a:t>
-            </a:r>
-            <a:r>
-              <a:rPr lang="en-US" dirty="0" err="1"/>
-              <a:t>nos</a:t>
-            </a:r>
-            <a:r>
-              <a:rPr lang="en-US" dirty="0"/>
-              <a:t> </a:t>
-            </a:r>
-            <a:r>
-              <a:rPr lang="en-US" dirty="0" err="1"/>
-              <a:t>pueden</a:t>
-            </a:r>
-            <a:r>
-              <a:rPr lang="en-US" dirty="0"/>
-              <a:t> </a:t>
-            </a:r>
-            <a:r>
-              <a:rPr lang="en-US" dirty="0" err="1"/>
-              <a:t>apoyar</a:t>
-            </a:r>
-            <a:r>
-              <a:rPr lang="en-US" dirty="0"/>
-              <a:t>.</a:t>
-            </a:r>
-          </a:p>
-          <a:p>
-            <a:r>
-              <a:rPr lang="en-US" dirty="0"/>
+              <a:rPr lang="es-MX" dirty="0"/>
+              <a:t>Para poder generar texto de manera organizada igualmente existen ciertos elementos que nos pueden apoyar.</a:t>
+            </a:r>
+          </a:p>
+          <a:p>
+            <a:r>
+              <a:rPr lang="es-MX" dirty="0"/>
               <a:t>Para los </a:t>
             </a:r>
             <a:r>
-              <a:rPr lang="en-US" b="1" dirty="0" err="1"/>
+              <a:rPr lang="es-MX" b="1" dirty="0" err="1"/>
               <a:t>parrafos</a:t>
             </a:r>
             <a:r>
-              <a:rPr lang="en-US" dirty="0"/>
-              <a:t> </a:t>
-            </a:r>
-            <a:r>
-              <a:rPr lang="en-US" dirty="0" err="1"/>
-              <a:t>existen</a:t>
-            </a:r>
-            <a:r>
-              <a:rPr lang="en-US" dirty="0"/>
-              <a:t> el </a:t>
-            </a:r>
-            <a:r>
-              <a:rPr lang="en-US" dirty="0" err="1"/>
-              <a:t>elementl</a:t>
-            </a:r>
-            <a:r>
-              <a:rPr lang="en-US" dirty="0"/>
-              <a:t> </a:t>
+              <a:rPr lang="es-MX" dirty="0"/>
+              <a:t> existen el elemento </a:t>
             </a:r>
             <a:r>
               <a:rPr lang="en-US" b="1" dirty="0"/>
@@ -10180,168 +9808,83 @@
           </a:p>
           <a:p>
             <a:r>
-              <a:rPr lang="en-US" dirty="0" err="1"/>
-              <a:t>En</a:t>
-            </a:r>
-            <a:r>
-              <a:rPr lang="en-US" dirty="0"/>
-              <a:t> el </a:t>
-            </a:r>
-            <a:r>
-              <a:rPr lang="en-US" dirty="0" err="1"/>
-              <a:t>caso</a:t>
-            </a:r>
-            <a:r>
-              <a:rPr lang="en-US" dirty="0"/>
-              <a:t> de </a:t>
-            </a:r>
-            <a:r>
-              <a:rPr lang="en-US" b="1" dirty="0" err="1"/>
+              <a:rPr lang="es-MX" dirty="0"/>
+              <a:t>En el caso de </a:t>
+            </a:r>
+            <a:r>
+              <a:rPr lang="es-MX" b="1" dirty="0"/>
               <a:t>encabezados</a:t>
             </a:r>
             <a:r>
-              <a:rPr lang="en-US" dirty="0"/>
-              <a:t> </a:t>
-            </a:r>
-            <a:r>
-              <a:rPr lang="en-US" dirty="0" err="1"/>
-              <a:t>existen</a:t>
-            </a:r>
-            <a:r>
-              <a:rPr lang="en-US" dirty="0"/>
-              <a:t> </a:t>
-            </a:r>
-            <a:r>
-              <a:rPr lang="en-US" dirty="0" err="1"/>
-              <a:t>diversos</a:t>
-            </a:r>
-            <a:r>
-              <a:rPr lang="en-US" dirty="0"/>
-              <a:t> </a:t>
-            </a:r>
-            <a:r>
-              <a:rPr lang="en-US" dirty="0" err="1"/>
-              <a:t>dependiendo</a:t>
-            </a:r>
-            <a:r>
-              <a:rPr lang="en-US" dirty="0"/>
-              <a:t> de </a:t>
-            </a:r>
-            <a:r>
-              <a:rPr lang="en-US" dirty="0" err="1"/>
-              <a:t>su</a:t>
-            </a:r>
-            <a:r>
-              <a:rPr lang="en-US" dirty="0"/>
-              <a:t> </a:t>
-            </a:r>
-            <a:r>
-              <a:rPr lang="en-US" dirty="0" err="1"/>
-              <a:t>importancia</a:t>
-            </a:r>
-            <a:r>
-              <a:rPr lang="en-US" dirty="0"/>
-              <a:t>, que </a:t>
-            </a:r>
-            <a:r>
-              <a:rPr lang="en-US" dirty="0" err="1"/>
-              <a:t>va</a:t>
-            </a:r>
-            <a:r>
-              <a:rPr lang="en-US" dirty="0"/>
-              <a:t> </a:t>
-            </a:r>
-            <a:r>
-              <a:rPr lang="en-US" dirty="0" err="1"/>
-              <a:t>desde</a:t>
-            </a:r>
-            <a:r>
-              <a:rPr lang="en-US" dirty="0"/>
-              <a:t> </a:t>
-            </a:r>
-            <a:r>
-              <a:rPr lang="en-US" b="1" dirty="0"/>
+              <a:rPr lang="es-MX" dirty="0"/>
+              <a:t> existen diversos dependiendo de su importancia, que va desde </a:t>
+            </a:r>
+            <a:r>
+              <a:rPr lang="es-MX" b="1" dirty="0"/>
               <a:t>&lt;h1&gt; </a:t>
             </a:r>
             <a:r>
-              <a:rPr lang="en-US" dirty="0"/>
+              <a:rPr lang="es-MX" dirty="0"/>
               <a:t>hasta el </a:t>
             </a:r>
             <a:r>
-              <a:rPr lang="en-US" b="1" dirty="0"/>
+              <a:rPr lang="es-MX" b="1" dirty="0"/>
               <a:t>&lt;h6&gt;</a:t>
             </a:r>
           </a:p>
           <a:p>
             <a:r>
-              <a:rPr lang="en-US" dirty="0"/>
-              <a:t>Por ultimo para </a:t>
-            </a:r>
-            <a:r>
-              <a:rPr lang="en-US" dirty="0" err="1"/>
-              <a:t>cambiar</a:t>
-            </a:r>
-            <a:r>
-              <a:rPr lang="en-US" dirty="0"/>
-              <a:t> de </a:t>
-            </a:r>
-            <a:r>
-              <a:rPr lang="en-US" dirty="0" err="1"/>
-              <a:t>tema</a:t>
-            </a:r>
-            <a:r>
-              <a:rPr lang="en-US" dirty="0"/>
-              <a:t> </a:t>
-            </a:r>
-            <a:r>
-              <a:rPr lang="en-US" dirty="0" err="1"/>
-              <a:t>existe</a:t>
-            </a:r>
-            <a:r>
-              <a:rPr lang="en-US" dirty="0"/>
-              <a:t> el </a:t>
-            </a:r>
-            <a:r>
-              <a:rPr lang="en-US" b="1" dirty="0"/>
+              <a:rPr lang="es-MX" dirty="0"/>
+              <a:t>Por ultimo para cambiar de tema existe el </a:t>
+            </a:r>
+            <a:r>
+              <a:rPr lang="es-MX" b="1" dirty="0"/>
               <a:t>&lt;</a:t>
             </a:r>
             <a:r>
-              <a:rPr lang="en-US" b="1" dirty="0" err="1"/>
+              <a:rPr lang="es-MX" b="1" dirty="0" err="1"/>
               <a:t>hr</a:t>
             </a:r>
             <a:r>
-              <a:rPr lang="en-US" b="1" dirty="0"/>
+              <a:rPr lang="es-MX" b="1" dirty="0"/>
               <a:t>&gt; </a:t>
             </a:r>
             <a:r>
-              <a:rPr lang="en-US" dirty="0"/>
-              <a:t>que </a:t>
-            </a:r>
-            <a:r>
-              <a:rPr lang="en-US" dirty="0" err="1"/>
-              <a:t>nos</a:t>
-            </a:r>
-            <a:r>
-              <a:rPr lang="en-US" dirty="0"/>
-              <a:t> </a:t>
-            </a:r>
-            <a:r>
-              <a:rPr lang="en-US" dirty="0" err="1"/>
-              <a:t>colocara</a:t>
-            </a:r>
-            <a:r>
-              <a:rPr lang="en-US" dirty="0"/>
-              <a:t> una </a:t>
-            </a:r>
-            <a:r>
-              <a:rPr lang="en-US" b="1" dirty="0"/>
-              <a:t>division de </a:t>
-            </a:r>
-            <a:r>
-              <a:rPr lang="en-US" b="1" dirty="0" err="1"/>
-              <a:t>contenido</a:t>
-            </a:r>
-            <a:endParaRPr lang="en-US" b="1" dirty="0"/>
+              <a:rPr lang="es-MX" dirty="0"/>
+              <a:t>que nos colocara una </a:t>
+            </a:r>
+            <a:r>
+              <a:rPr lang="es-MX" b="1" dirty="0"/>
+              <a:t>división de contenido</a:t>
+            </a:r>
+          </a:p>
+        </p:txBody>
+      </p:sp>
+      <p:sp>
+        <p:nvSpPr>
+          <p:cNvPr id="4" name="Marcador de pie de página 3">
+            <a:extLst>
+              <a:ext uri="{FF2B5EF4-FFF2-40B4-BE49-F238E27FC236}">
+                <a16:creationId xmlns:a16="http://schemas.microsoft.com/office/drawing/2014/main" id="{2D9C1C96-CF70-4795-8392-B03D185D6899}"/>
+              </a:ext>
+            </a:extLst>
+          </p:cNvPr>
+          <p:cNvSpPr>
+            <a:spLocks noGrp="1"/>
+          </p:cNvSpPr>
+          <p:nvPr>
+            <p:ph type="ftr" sz="quarter" idx="11"/>
+          </p:nvPr>
+        </p:nvSpPr>
+        <p:spPr/>
+        <p:txBody>
+          <a:bodyPr/>
+          <a:lstStyle/>
+          <a:p>
+            <a:r>
+              <a:rPr lang="es-MX"/>
+              <a:t>Lic. José Orihuela Sánchez Programación y Aplicaciones para la Web</a:t>
+            </a:r>
           </a:p>
         </p:txBody>
       </p:sp>
@@ -10397,10 +9940,9 @@
           <a:lstStyle/>
           <a:p>
             <a:r>
-              <a:rPr lang="en-US" dirty="0" err="1"/>
+              <a:rPr lang="es-MX" dirty="0"/>
               <a:t>Listas</a:t>
             </a:r>
-            <a:endParaRPr lang="es-MX" dirty="0"/>
           </a:p>
         </p:txBody>
       </p:sp>
@@ -10426,8 +9968,69 @@
           <a:lstStyle/>
           <a:p>
             <a:r>
+              <a:rPr lang="es-MX" dirty="0"/>
+              <a:t>Existen varios tipos de listas pero las mas usadas son&gt;</a:t>
+            </a:r>
+          </a:p>
+          <a:p>
+            <a:r>
+              <a:rPr lang="es-MX" b="1" dirty="0"/>
+              <a:t>Listas ordenadas</a:t>
+            </a:r>
+          </a:p>
+          <a:p>
+            <a:pPr lvl="1"/>
+            <a:r>
+              <a:rPr lang="es-MX" dirty="0"/>
+              <a:t>Una </a:t>
+            </a:r>
+            <a:r>
+              <a:rPr lang="es-MX" dirty="0" err="1"/>
+              <a:t>coleccion</a:t>
+            </a:r>
+            <a:r>
+              <a:rPr lang="es-MX" dirty="0"/>
+              <a:t> de </a:t>
+            </a:r>
+            <a:r>
+              <a:rPr lang="es-MX" b="1" dirty="0"/>
+              <a:t>elementos ordenados </a:t>
+            </a:r>
+            <a:r>
+              <a:rPr lang="es-MX" dirty="0"/>
+              <a:t>de manera </a:t>
+            </a:r>
+            <a:r>
+              <a:rPr lang="es-MX" dirty="0" err="1"/>
+              <a:t>numerica</a:t>
+            </a:r>
+            <a:r>
+              <a:rPr lang="es-MX" dirty="0"/>
+              <a:t> o </a:t>
+            </a:r>
+            <a:r>
+              <a:rPr lang="es-MX" dirty="0" err="1"/>
+              <a:t>alfabetica</a:t>
+            </a:r>
+            <a:endParaRPr lang="es-MX" dirty="0"/>
+          </a:p>
+          <a:p>
+            <a:pPr lvl="2"/>
+            <a:r>
+              <a:rPr lang="en-US" b="1" dirty="0"/>
+              <a:t>&lt;</a:t>
+            </a:r>
+            <a:r>
+              <a:rPr lang="en-US" b="1" dirty="0" err="1"/>
+              <a:t>ol</a:t>
+            </a:r>
+            <a:r>
+              <a:rPr lang="en-US" b="1" dirty="0"/>
+              <a:t>&gt; </a:t>
+            </a:r>
+            <a:r>
               <a:rPr lang="en-US" dirty="0" err="1"/>
-              <a:t>Existen</a:t>
+              <a:t>nos</a:t>
             </a:r>
             <a:r>
               <a:rPr lang="en-US" dirty="0"/>
@@ -10435,7 +10038,7 @@
             </a:r>
             <a:r>
               <a:rPr lang="en-US" dirty="0" err="1"/>
-              <a:t>varios</a:t>
+              <a:t>permitira</a:t>
             </a:r>
             <a:r>
               <a:rPr lang="en-US" dirty="0"/>
@@ -10443,15 +10046,27 @@
             </a:r>
             <a:r>
               <a:rPr lang="en-US" dirty="0" err="1"/>
-              <a:t>tipos</a:t>
+              <a:t>crear</a:t>
             </a:r>
             <a:r>
               <a:rPr lang="en-US" dirty="0"/>
-              <a:t> de </a:t>
+              <a:t> la </a:t>
             </a:r>
             <a:r>
               <a:rPr lang="en-US" dirty="0" err="1"/>
-              <a:t>listas</a:t>
+              <a:t>lista</a:t>
+            </a:r>
+            <a:endParaRPr lang="en-US" dirty="0"/>
+          </a:p>
+          <a:p>
+            <a:pPr lvl="2"/>
+            <a:r>
+              <a:rPr lang="en-US" b="1" dirty="0"/>
+              <a:t>&lt;li&gt; </a:t>
+            </a:r>
+            <a:r>
+              <a:rPr lang="en-US" dirty="0" err="1"/>
+              <a:t>nos</a:t>
             </a:r>
             <a:r>
               <a:rPr lang="en-US" dirty="0"/>
@@ -10459,73 +10074,7 @@
             </a:r>
             <a:r>
               <a:rPr lang="en-US" dirty="0" err="1"/>
-              <a:t>pero</a:t>
-            </a:r>
-            <a:r>
-              <a:rPr lang="en-US" dirty="0"/>
-              <a:t> las mas </a:t>
-            </a:r>
-            <a:r>
-              <a:rPr lang="en-US" dirty="0" err="1"/>
-              <a:t>usadas</a:t>
-            </a:r>
-            <a:r>
-              <a:rPr lang="en-US" dirty="0"/>
-              <a:t> son&gt;</a:t>
-            </a:r>
-          </a:p>
-          <a:p>
-            <a:r>
-              <a:rPr lang="en-US" b="1" dirty="0" err="1"/>
-              <a:t>Listas</a:t>
-            </a:r>
-            <a:r>
-              <a:rPr lang="en-US" b="1" dirty="0"/>
-              <a:t> </a:t>
-            </a:r>
-            <a:r>
-              <a:rPr lang="en-US" b="1" dirty="0" err="1"/>
-              <a:t>ordenadas</a:t>
-            </a:r>
-            <a:endParaRPr lang="en-US" b="1" dirty="0"/>
-          </a:p>
-          <a:p>
-            <a:pPr lvl="1"/>
-            <a:r>
-              <a:rPr lang="en-US" dirty="0"/>
-              <a:t>Una </a:t>
-            </a:r>
-            <a:r>
-              <a:rPr lang="en-US" dirty="0" err="1"/>
-              <a:t>coleccion</a:t>
-            </a:r>
-            <a:r>
-              <a:rPr lang="en-US" dirty="0"/>
-              <a:t> de </a:t>
-            </a:r>
-            <a:r>
-              <a:rPr lang="en-US" b="1" dirty="0" err="1"/>
-              <a:t>elementos</a:t>
-            </a:r>
-            <a:r>
-              <a:rPr lang="en-US" b="1" dirty="0"/>
-              <a:t> </a:t>
-            </a:r>
-            <a:r>
-              <a:rPr lang="en-US" b="1" dirty="0" err="1"/>
-              <a:t>ordenados</a:t>
-            </a:r>
-            <a:r>
-              <a:rPr lang="en-US" b="1" dirty="0"/>
-              <a:t> </a:t>
-            </a:r>
-            <a:r>
-              <a:rPr lang="en-US" dirty="0"/>
-              <a:t>de </a:t>
-            </a:r>
-            <a:r>
-              <a:rPr lang="en-US" dirty="0" err="1"/>
-              <a:t>manera</a:t>
+              <a:t>permitira</a:t>
             </a:r>
             <a:r>
               <a:rPr lang="en-US" dirty="0"/>
@@ -10533,31 +10082,53 @@
             </a:r>
             <a:r>
               <a:rPr lang="en-US" dirty="0" err="1"/>
-              <a:t>numerica</a:t>
+              <a:t>crear</a:t>
             </a:r>
             <a:r>
               <a:rPr lang="en-US" dirty="0"/>
-              <a:t> o </a:t>
+              <a:t> el </a:t>
             </a:r>
             <a:r>
               <a:rPr lang="en-US" dirty="0" err="1"/>
-              <a:t>alfabetica</a:t>
+              <a:t>elemento</a:t>
             </a:r>
             <a:endParaRPr lang="en-US" dirty="0"/>
           </a:p>
           <a:p>
+            <a:r>
+              <a:rPr lang="en-US" b="1" dirty="0"/>
+              <a:t>Lista </a:t>
+            </a:r>
+            <a:r>
+              <a:rPr lang="es-MX" b="1" dirty="0"/>
+              <a:t>desordenadas</a:t>
+            </a:r>
+            <a:r>
+              <a:rPr lang="en-US" b="1" dirty="0"/>
+              <a:t> o con vi</a:t>
+            </a:r>
+            <a:r>
+              <a:rPr lang="es-MX" b="1" dirty="0" err="1"/>
+              <a:t>ñetas</a:t>
+            </a:r>
+            <a:endParaRPr lang="es-MX" b="1" dirty="0"/>
+          </a:p>
+          <a:p>
+            <a:pPr lvl="1"/>
+            <a:r>
+              <a:rPr lang="es-MX" dirty="0"/>
+              <a:t>Una colección de elementos donde </a:t>
+            </a:r>
+            <a:r>
+              <a:rPr lang="es-MX" b="1" dirty="0"/>
+              <a:t>no importa su organización</a:t>
+            </a:r>
+          </a:p>
+          <a:p>
             <a:pPr lvl="2"/>
             <a:r>
               <a:rPr lang="en-US" b="1" dirty="0"/>
-              <a:t>&lt;</a:t>
-            </a:r>
-            <a:r>
-              <a:rPr lang="en-US" b="1" dirty="0" err="1"/>
-              <a:t>ol</a:t>
-            </a:r>
-            <a:r>
-              <a:rPr lang="en-US" b="1" dirty="0"/>
-              <a:t>&gt; </a:t>
+              <a:t>&lt;ul&gt; </a:t>
             </a:r>
             <a:r>
               <a:rPr lang="en-US" dirty="0" err="1"/>
@@ -10605,108 +10176,6 @@
             </a:r>
             <a:r>
               <a:rPr lang="en-US" dirty="0" err="1"/>
-              <a:t>permitira</a:t>
-            </a:r>
-            <a:r>
-              <a:rPr lang="en-US" dirty="0"/>
-              <a:t> </a:t>
-            </a:r>
-            <a:r>
-              <a:rPr lang="en-US" dirty="0" err="1"/>
-              <a:t>crear</a:t>
-            </a:r>
-            <a:r>
-              <a:rPr lang="en-US" dirty="0"/>
-              <a:t> el </a:t>
-            </a:r>
-            <a:r>
-              <a:rPr lang="en-US" dirty="0" err="1"/>
-              <a:t>elemento</a:t>
-            </a:r>
-            <a:endParaRPr lang="en-US" dirty="0"/>
-          </a:p>
-          <a:p>
-            <a:r>
-              <a:rPr lang="en-US" b="1" dirty="0"/>
-              <a:t>Lista </a:t>
-            </a:r>
-            <a:r>
-              <a:rPr lang="en-US" b="1" dirty="0" err="1"/>
-              <a:t>desordenadas</a:t>
-            </a:r>
-            <a:r>
-              <a:rPr lang="en-US" b="1" dirty="0"/>
-              <a:t> o con vi</a:t>
-            </a:r>
-            <a:r>
-              <a:rPr lang="es-MX" b="1" dirty="0" err="1"/>
-              <a:t>ñetas</a:t>
-            </a:r>
-            <a:endParaRPr lang="es-MX" b="1" dirty="0"/>
-          </a:p>
-          <a:p>
-            <a:pPr lvl="1"/>
-            <a:r>
-              <a:rPr lang="es-MX" dirty="0"/>
-              <a:t>Una colección de elementos donde </a:t>
-            </a:r>
-            <a:r>
-              <a:rPr lang="es-MX" b="1" dirty="0"/>
-              <a:t>no importa su organización</a:t>
-            </a:r>
-          </a:p>
-          <a:p>
-            <a:pPr lvl="2"/>
-            <a:r>
-              <a:rPr lang="en-US" b="1" dirty="0"/>
-              <a:t>&lt;ul&gt; </a:t>
-            </a:r>
-            <a:r>
-              <a:rPr lang="en-US" dirty="0" err="1"/>
-              <a:t>nos</a:t>
-            </a:r>
-            <a:r>
-              <a:rPr lang="en-US" dirty="0"/>
-              <a:t> </a:t>
-            </a:r>
-            <a:r>
-              <a:rPr lang="en-US" dirty="0" err="1"/>
-              <a:t>permitira</a:t>
-            </a:r>
-            <a:r>
-              <a:rPr lang="en-US" dirty="0"/>
-              <a:t> </a:t>
-            </a:r>
-            <a:r>
-              <a:rPr lang="en-US" dirty="0" err="1"/>
-              <a:t>crear</a:t>
-            </a:r>
-            <a:r>
-              <a:rPr lang="en-US" dirty="0"/>
-              <a:t> la </a:t>
-            </a:r>
-            <a:r>
-              <a:rPr lang="en-US" dirty="0" err="1"/>
-              <a:t>lista</a:t>
-            </a:r>
-            <a:endParaRPr lang="en-US" dirty="0"/>
-          </a:p>
-          <a:p>
-            <a:pPr lvl="2"/>
-            <a:r>
-              <a:rPr lang="en-US" b="1" dirty="0"/>
-              <a:t>&lt;li&gt; </a:t>
-            </a:r>
-            <a:r>
-              <a:rPr lang="en-US" dirty="0" err="1"/>
-              <a:t>nos</a:t>
-            </a:r>
-            <a:r>
-              <a:rPr lang="en-US" dirty="0"/>
-              <a:t> </a:t>
-            </a:r>
-            <a:r>
-              <a:rPr lang="en-US" dirty="0" err="1"/>
               <a:t>ayudara</a:t>
             </a:r>
             <a:r>
@@ -10722,6 +10191,34 @@
           <a:p>
             <a:pPr lvl="2"/>
             <a:endParaRPr lang="es-MX" dirty="0"/>
+          </a:p>
+        </p:txBody>
+      </p:sp>
+      <p:sp>
+        <p:nvSpPr>
+          <p:cNvPr id="4" name="Marcador de pie de página 3">
+            <a:extLst>
+              <a:ext uri="{FF2B5EF4-FFF2-40B4-BE49-F238E27FC236}">
+                <a16:creationId xmlns:a16="http://schemas.microsoft.com/office/drawing/2014/main" id="{B4F3BDC1-07E9-4122-B20B-BAD68153DDC2}"/>
+              </a:ext>
+            </a:extLst>
+          </p:cNvPr>
+          <p:cNvSpPr>
+            <a:spLocks noGrp="1"/>
+          </p:cNvSpPr>
+          <p:nvPr>
+            <p:ph type="ftr" sz="quarter" idx="11"/>
+          </p:nvPr>
+        </p:nvSpPr>
+        <p:spPr/>
+        <p:txBody>
+          <a:bodyPr/>
+          <a:lstStyle/>
+          <a:p>
+            <a:r>
+              <a:rPr lang="es-MX"/>
+              <a:t>Lic. José Orihuela Sánchez Programación y Aplicaciones para la Web</a:t>
+            </a:r>
           </a:p>
         </p:txBody>
       </p:sp>
